--- a/task6.pptx
+++ b/task6.pptx
@@ -2733,7 +2733,7 @@
         <p:spPr>
           <a:xfrm>
             <a:off x="7213251" y="3483928"/>
-            <a:ext cx="6647779" cy="2609260"/>
+            <a:ext cx="6647779" cy="2609259"/>
           </a:xfrm>
           <a:prstGeom prst="rect">
             <a:avLst/>
@@ -2873,7 +2873,7 @@
               <a:defRPr sz="1600"/>
             </a:pPr>
             <a:r>
-              <a:t>14.12.2020</a:t>
+              <a:t>21.01.2021</a:t>
             </a:r>
           </a:p>
           <a:p>
@@ -2921,10 +2921,6 @@
           </p:nvPr>
         </p:nvSpPr>
         <p:spPr>
-          <a:xfrm>
-            <a:off x="838200" y="365125"/>
-            <a:ext cx="10515600" cy="1325563"/>
-          </a:xfrm>
           <a:prstGeom prst="rect">
             <a:avLst/>
           </a:prstGeom>
@@ -2950,8 +2946,8 @@
         </p:nvSpPr>
         <p:spPr>
           <a:xfrm>
-            <a:off x="1322193" y="2507109"/>
-            <a:ext cx="3182846" cy="1529186"/>
+            <a:off x="1322194" y="2507109"/>
+            <a:ext cx="3182845" cy="1529187"/>
           </a:xfrm>
           <a:prstGeom prst="rect">
             <a:avLst/>
@@ -3095,8 +3091,8 @@
         </p:nvSpPr>
         <p:spPr>
           <a:xfrm>
-            <a:off x="966127" y="4852717"/>
-            <a:ext cx="10259747" cy="625187"/>
+            <a:off x="966127" y="4852718"/>
+            <a:ext cx="10259747" cy="625186"/>
           </a:xfrm>
           <a:prstGeom prst="rect">
             <a:avLst/>
@@ -3198,7 +3194,7 @@
         <p:spPr>
           <a:xfrm>
             <a:off x="8350532" y="1063170"/>
-            <a:ext cx="4643026" cy="1504462"/>
+            <a:ext cx="4643027" cy="1504462"/>
           </a:xfrm>
           <a:prstGeom prst="rect">
             <a:avLst/>
@@ -3672,7 +3668,7 @@
         </p:nvSpPr>
         <p:spPr>
           <a:xfrm>
-            <a:off x="1976097" y="4130423"/>
+            <a:off x="1976098" y="4130423"/>
             <a:ext cx="512604" cy="512604"/>
           </a:xfrm>
           <a:prstGeom prst="line">
@@ -3732,7 +3728,7 @@
         </p:nvSpPr>
         <p:spPr>
           <a:xfrm>
-            <a:off x="2755869" y="5304890"/>
+            <a:off x="2755870" y="5304890"/>
             <a:ext cx="2" cy="595841"/>
           </a:xfrm>
           <a:prstGeom prst="line">
@@ -3854,8 +3850,8 @@
         </p:nvSpPr>
         <p:spPr>
           <a:xfrm flipH="1">
-            <a:off x="601370" y="5311309"/>
-            <a:ext cx="2" cy="595841"/>
+            <a:off x="601371" y="5311309"/>
+            <a:ext cx="1" cy="595841"/>
           </a:xfrm>
           <a:prstGeom prst="line">
             <a:avLst/>
@@ -3977,7 +3973,7 @@
         <p:spPr>
           <a:xfrm>
             <a:off x="1636123" y="4337113"/>
-            <a:ext cx="2" cy="595840"/>
+            <a:ext cx="1" cy="595840"/>
           </a:xfrm>
           <a:prstGeom prst="line">
             <a:avLst/>
@@ -4282,7 +4278,7 @@
         </p:nvSpPr>
         <p:spPr>
           <a:xfrm>
-            <a:off x="5815405" y="2802300"/>
+            <a:off x="5815405" y="2802299"/>
             <a:ext cx="512604" cy="512604"/>
           </a:xfrm>
           <a:prstGeom prst="line">
@@ -4435,7 +4431,7 @@
         <p:spPr>
           <a:xfrm flipH="1">
             <a:off x="3875616" y="3966391"/>
-            <a:ext cx="338140" cy="623471"/>
+            <a:ext cx="338140" cy="623470"/>
           </a:xfrm>
           <a:prstGeom prst="line">
             <a:avLst/>
@@ -4586,8 +4582,8 @@
         </p:nvSpPr>
         <p:spPr>
           <a:xfrm>
-            <a:off x="3581741" y="1723458"/>
-            <a:ext cx="2079534" cy="392468"/>
+            <a:off x="3581741" y="1723457"/>
+            <a:ext cx="2079534" cy="392469"/>
           </a:xfrm>
           <a:prstGeom prst="rect">
             <a:avLst/>
@@ -4627,7 +4623,7 @@
         <p:spPr>
           <a:xfrm>
             <a:off x="44701" y="1155101"/>
-            <a:ext cx="3182845" cy="1529183"/>
+            <a:ext cx="3182845" cy="1529182"/>
           </a:xfrm>
           <a:prstGeom prst="rect">
             <a:avLst/>
@@ -4776,7 +4772,7 @@
         </p:nvSpPr>
         <p:spPr>
           <a:xfrm>
-            <a:off x="4626312" y="3955069"/>
+            <a:off x="4626313" y="3955069"/>
             <a:ext cx="306169" cy="645580"/>
           </a:xfrm>
           <a:prstGeom prst="line">
@@ -4899,7 +4895,7 @@
         <p:spPr>
           <a:xfrm flipH="1">
             <a:off x="6068391" y="3933133"/>
-            <a:ext cx="338140" cy="623470"/>
+            <a:ext cx="338141" cy="623470"/>
           </a:xfrm>
           <a:prstGeom prst="line">
             <a:avLst/>
@@ -5610,7 +5606,7 @@
         </p:nvSpPr>
         <p:spPr>
           <a:xfrm>
-            <a:off x="10200954" y="2800576"/>
+            <a:off x="10200955" y="2800576"/>
             <a:ext cx="512604" cy="512604"/>
           </a:xfrm>
           <a:prstGeom prst="line">
@@ -5640,7 +5636,7 @@
         </p:nvSpPr>
         <p:spPr>
           <a:xfrm flipH="1">
-            <a:off x="9088866" y="2835494"/>
+            <a:off x="9088866" y="2835495"/>
             <a:ext cx="442767" cy="442768"/>
           </a:xfrm>
           <a:prstGeom prst="line">
@@ -5762,7 +5758,7 @@
         </p:nvSpPr>
         <p:spPr>
           <a:xfrm>
-            <a:off x="9860981" y="3007266"/>
+            <a:off x="9860980" y="3007266"/>
             <a:ext cx="2" cy="595841"/>
           </a:xfrm>
           <a:prstGeom prst="line">
@@ -5884,7 +5880,7 @@
         </p:nvSpPr>
         <p:spPr>
           <a:xfrm flipH="1">
-            <a:off x="10453941" y="3931410"/>
+            <a:off x="10453942" y="3931409"/>
             <a:ext cx="338140" cy="623470"/>
           </a:xfrm>
           <a:prstGeom prst="line">
@@ -6006,7 +6002,7 @@
         </p:nvSpPr>
         <p:spPr>
           <a:xfrm>
-            <a:off x="11204637" y="3920087"/>
+            <a:off x="11204636" y="3920087"/>
             <a:ext cx="306170" cy="645579"/>
           </a:xfrm>
           <a:prstGeom prst="line">
@@ -6128,7 +6124,7 @@
         </p:nvSpPr>
         <p:spPr>
           <a:xfrm>
-            <a:off x="8812258" y="4012491"/>
+            <a:off x="8812257" y="4012492"/>
             <a:ext cx="2" cy="595841"/>
           </a:xfrm>
           <a:prstGeom prst="line">
@@ -6434,7 +6430,7 @@
         <p:spPr>
           <a:xfrm>
             <a:off x="44701" y="1155101"/>
-            <a:ext cx="3182845" cy="1529183"/>
+            <a:ext cx="3182845" cy="1529182"/>
           </a:xfrm>
           <a:prstGeom prst="rect">
             <a:avLst/>
@@ -6716,7 +6712,7 @@
         <p:spPr>
           <a:xfrm>
             <a:off x="1773841" y="4131271"/>
-            <a:ext cx="512604" cy="512604"/>
+            <a:ext cx="512605" cy="512604"/>
           </a:xfrm>
           <a:prstGeom prst="line">
             <a:avLst/>
@@ -6745,7 +6741,7 @@
         </p:nvSpPr>
         <p:spPr>
           <a:xfrm flipH="1">
-            <a:off x="661752" y="4166191"/>
+            <a:off x="661752" y="4166190"/>
             <a:ext cx="442768" cy="442768"/>
           </a:xfrm>
           <a:prstGeom prst="line">
@@ -6775,8 +6771,8 @@
         </p:nvSpPr>
         <p:spPr>
           <a:xfrm flipH="1">
-            <a:off x="1433868" y="4337961"/>
-            <a:ext cx="2" cy="595841"/>
+            <a:off x="1433868" y="4337962"/>
+            <a:ext cx="1" cy="595841"/>
           </a:xfrm>
           <a:prstGeom prst="line">
             <a:avLst/>
@@ -6898,7 +6894,7 @@
         <p:spPr>
           <a:xfrm flipH="1">
             <a:off x="399115" y="5312157"/>
-            <a:ext cx="2" cy="595840"/>
+            <a:ext cx="1" cy="595840"/>
           </a:xfrm>
           <a:prstGeom prst="line">
             <a:avLst/>
@@ -7365,7 +7361,7 @@
         </p:nvSpPr>
         <p:spPr>
           <a:xfrm flipH="1">
-            <a:off x="3693972" y="4169066"/>
+            <a:off x="3693972" y="4169065"/>
             <a:ext cx="442768" cy="442768"/>
           </a:xfrm>
           <a:prstGeom prst="line">
@@ -7395,7 +7391,7 @@
         </p:nvSpPr>
         <p:spPr>
           <a:xfrm>
-            <a:off x="4466087" y="4340836"/>
+            <a:off x="4466087" y="4340837"/>
             <a:ext cx="2" cy="595841"/>
           </a:xfrm>
           <a:prstGeom prst="line">
@@ -7517,8 +7513,8 @@
         </p:nvSpPr>
         <p:spPr>
           <a:xfrm>
-            <a:off x="3431335" y="5315032"/>
-            <a:ext cx="2" cy="595841"/>
+            <a:off x="3431336" y="5315033"/>
+            <a:ext cx="1" cy="595841"/>
           </a:xfrm>
           <a:prstGeom prst="line">
             <a:avLst/>
@@ -7955,7 +7951,7 @@
         </p:nvSpPr>
         <p:spPr>
           <a:xfrm>
-            <a:off x="7913934" y="4130052"/>
+            <a:off x="7913935" y="4130052"/>
             <a:ext cx="512604" cy="512604"/>
           </a:xfrm>
           <a:prstGeom prst="line">
@@ -8015,7 +8011,7 @@
         </p:nvSpPr>
         <p:spPr>
           <a:xfrm>
-            <a:off x="7573960" y="4336741"/>
+            <a:off x="7573960" y="4336742"/>
             <a:ext cx="2" cy="595841"/>
           </a:xfrm>
           <a:prstGeom prst="line">
@@ -8137,7 +8133,7 @@
         </p:nvSpPr>
         <p:spPr>
           <a:xfrm>
-            <a:off x="8693708" y="5323265"/>
+            <a:off x="8693707" y="5323265"/>
             <a:ext cx="2" cy="595841"/>
           </a:xfrm>
           <a:prstGeom prst="line">
@@ -8535,8 +8531,8 @@
         </p:nvSpPr>
         <p:spPr>
           <a:xfrm>
-            <a:off x="11021807" y="4126451"/>
-            <a:ext cx="512604" cy="512605"/>
+            <a:off x="11021808" y="4126451"/>
+            <a:ext cx="512604" cy="512604"/>
           </a:xfrm>
           <a:prstGeom prst="line">
             <a:avLst/>
@@ -8565,7 +8561,7 @@
         </p:nvSpPr>
         <p:spPr>
           <a:xfrm flipH="1">
-            <a:off x="9909718" y="4161370"/>
+            <a:off x="9909718" y="4161369"/>
             <a:ext cx="442767" cy="442768"/>
           </a:xfrm>
           <a:prstGeom prst="line">
@@ -8876,10 +8872,6 @@
           </p:nvPr>
         </p:nvSpPr>
         <p:spPr>
-          <a:xfrm>
-            <a:off x="838200" y="365125"/>
-            <a:ext cx="10515600" cy="1325563"/>
-          </a:xfrm>
           <a:prstGeom prst="rect">
             <a:avLst/>
           </a:prstGeom>
@@ -8906,10 +8898,6 @@
           </p:nvPr>
         </p:nvSpPr>
         <p:spPr>
-          <a:xfrm>
-            <a:off x="838200" y="1825625"/>
-            <a:ext cx="10515600" cy="4351338"/>
-          </a:xfrm>
           <a:prstGeom prst="rect">
             <a:avLst/>
           </a:prstGeom>
@@ -9060,7 +9048,7 @@
             <a:off x="88400" y="983065"/>
             <a:ext cx="4422044" cy="4078027"/>
             <a:chOff x="0" y="0"/>
-            <a:chExt cx="4422042" cy="4078025"/>
+            <a:chExt cx="4422042" cy="4078026"/>
           </a:xfrm>
         </p:grpSpPr>
         <p:sp>
@@ -9202,8 +9190,8 @@
           </p:nvGrpSpPr>
           <p:grpSpPr>
             <a:xfrm>
-              <a:off x="-1" y="1723127"/>
-              <a:ext cx="631773" cy="631772"/>
+              <a:off x="0" y="1723127"/>
+              <a:ext cx="631772" cy="631772"/>
               <a:chOff x="0" y="0"/>
               <a:chExt cx="631771" cy="631771"/>
             </a:xfrm>
@@ -9548,8 +9536,8 @@
           </p:nvSpPr>
           <p:spPr>
             <a:xfrm flipH="1">
-              <a:off x="979263" y="2291510"/>
-              <a:ext cx="243530" cy="340698"/>
+              <a:off x="979263" y="2291511"/>
+              <a:ext cx="243530" cy="340697"/>
             </a:xfrm>
             <a:prstGeom prst="line">
               <a:avLst/>
@@ -9676,7 +9664,7 @@
           <p:grpSpPr>
             <a:xfrm>
               <a:off x="1113662" y="3446254"/>
-              <a:ext cx="631772" cy="631772"/>
+              <a:ext cx="631772" cy="631773"/>
               <a:chOff x="0" y="0"/>
               <a:chExt cx="631771" cy="631771"/>
             </a:xfrm>
@@ -10632,7 +10620,7 @@
           <p:spPr>
             <a:xfrm flipH="1">
               <a:off x="3680952" y="3150284"/>
-              <a:ext cx="243531" cy="340698"/>
+              <a:ext cx="243530" cy="340697"/>
             </a:xfrm>
             <a:prstGeom prst="line">
               <a:avLst/>
@@ -10829,7 +10817,7 @@
           <p:spPr>
             <a:xfrm>
               <a:off x="2377164" y="131439"/>
-              <a:ext cx="778139" cy="264982"/>
+              <a:ext cx="778139" cy="264983"/>
             </a:xfrm>
             <a:prstGeom prst="rect">
               <a:avLst/>
@@ -11095,8 +11083,8 @@
           </p:nvGrpSpPr>
           <p:grpSpPr>
             <a:xfrm>
-              <a:off x="-1" y="1737181"/>
-              <a:ext cx="636927" cy="636927"/>
+              <a:off x="0" y="1737181"/>
+              <a:ext cx="636926" cy="636927"/>
               <a:chOff x="0" y="0"/>
               <a:chExt cx="636925" cy="636925"/>
             </a:xfrm>
@@ -11661,7 +11649,7 @@
           <p:spPr>
             <a:xfrm flipH="1">
               <a:off x="1606477" y="3184224"/>
-              <a:ext cx="245517" cy="343476"/>
+              <a:ext cx="245517" cy="343477"/>
             </a:xfrm>
             <a:prstGeom prst="line">
               <a:avLst/>
@@ -12086,8 +12074,8 @@
           </p:nvGrpSpPr>
           <p:grpSpPr>
             <a:xfrm>
-              <a:off x="3201958" y="1728936"/>
-              <a:ext cx="636926" cy="636925"/>
+              <a:off x="3201959" y="1728936"/>
+              <a:ext cx="636925" cy="636925"/>
               <a:chOff x="0" y="0"/>
               <a:chExt cx="636924" cy="636924"/>
             </a:xfrm>
@@ -12652,7 +12640,7 @@
           <p:spPr>
             <a:xfrm>
               <a:off x="1970833" y="635002"/>
-              <a:ext cx="1" cy="477879"/>
+              <a:ext cx="2" cy="477879"/>
             </a:xfrm>
             <a:prstGeom prst="line">
               <a:avLst/>
@@ -12953,8 +12941,8 @@
         </p:nvSpPr>
         <p:spPr>
           <a:xfrm>
-            <a:off x="5196064" y="5937009"/>
-            <a:ext cx="6853421" cy="625187"/>
+            <a:off x="5196065" y="5937009"/>
+            <a:ext cx="6853420" cy="625186"/>
           </a:xfrm>
           <a:prstGeom prst="rect">
             <a:avLst/>
@@ -13072,10 +13060,6 @@
           </p:nvPr>
         </p:nvSpPr>
         <p:spPr>
-          <a:xfrm>
-            <a:off x="838200" y="365125"/>
-            <a:ext cx="10515600" cy="1325563"/>
-          </a:xfrm>
           <a:prstGeom prst="rect">
             <a:avLst/>
           </a:prstGeom>
@@ -13103,8 +13087,8 @@
         </p:nvSpPr>
         <p:spPr>
           <a:xfrm>
-            <a:off x="760270" y="3317160"/>
-            <a:ext cx="4643027" cy="6289386"/>
+            <a:off x="760270" y="3317159"/>
+            <a:ext cx="4643027" cy="6289387"/>
           </a:xfrm>
           <a:prstGeom prst="rect">
             <a:avLst/>
@@ -13223,8 +13207,8 @@
         </p:nvSpPr>
         <p:spPr>
           <a:xfrm>
-            <a:off x="6410036" y="3295038"/>
-            <a:ext cx="4643027" cy="6975187"/>
+            <a:off x="6410037" y="3295038"/>
+            <a:ext cx="4643026" cy="6975187"/>
           </a:xfrm>
           <a:prstGeom prst="rect">
             <a:avLst/>
@@ -13361,7 +13345,7 @@
         <p:spPr>
           <a:xfrm>
             <a:off x="1060095" y="1739331"/>
-            <a:ext cx="3182845" cy="1529186"/>
+            <a:ext cx="3182846" cy="1529186"/>
           </a:xfrm>
           <a:prstGeom prst="rect">
             <a:avLst/>
@@ -13526,10 +13510,6 @@
           </p:nvPr>
         </p:nvSpPr>
         <p:spPr>
-          <a:xfrm>
-            <a:off x="838200" y="365125"/>
-            <a:ext cx="10515600" cy="1325563"/>
-          </a:xfrm>
           <a:prstGeom prst="rect">
             <a:avLst/>
           </a:prstGeom>
@@ -13560,7 +13540,7 @@
         <p:spPr>
           <a:xfrm>
             <a:off x="1060095" y="1739331"/>
-            <a:ext cx="3182845" cy="1529186"/>
+            <a:ext cx="3182846" cy="1529186"/>
           </a:xfrm>
           <a:prstGeom prst="rect">
             <a:avLst/>
@@ -14014,7 +13994,7 @@
         </p:nvSpPr>
         <p:spPr>
           <a:xfrm>
-            <a:off x="8460416" y="3493994"/>
+            <a:off x="8460417" y="3493994"/>
             <a:ext cx="512604" cy="512604"/>
           </a:xfrm>
           <a:prstGeom prst="line">
@@ -14255,8 +14235,8 @@
         </p:nvSpPr>
         <p:spPr>
           <a:xfrm>
-            <a:off x="10152197" y="3455495"/>
-            <a:ext cx="2728929" cy="333087"/>
+            <a:off x="10152197" y="3455496"/>
+            <a:ext cx="2728929" cy="333086"/>
           </a:xfrm>
           <a:prstGeom prst="rect">
             <a:avLst/>
@@ -14472,8 +14452,8 @@
         </p:nvSpPr>
         <p:spPr>
           <a:xfrm>
-            <a:off x="8782274" y="2140568"/>
-            <a:ext cx="2728929" cy="333086"/>
+            <a:off x="8782274" y="2140567"/>
+            <a:ext cx="2728929" cy="333087"/>
           </a:xfrm>
           <a:prstGeom prst="rect">
             <a:avLst/>
@@ -14554,7 +14534,7 @@
         </p:nvSpPr>
         <p:spPr>
           <a:xfrm>
-            <a:off x="8120443" y="3720732"/>
+            <a:off x="8120442" y="3720733"/>
             <a:ext cx="2" cy="595841"/>
           </a:xfrm>
           <a:prstGeom prst="line">
@@ -14611,10 +14591,6 @@
           </p:nvPr>
         </p:nvSpPr>
         <p:spPr>
-          <a:xfrm>
-            <a:off x="838200" y="365125"/>
-            <a:ext cx="10515600" cy="1325563"/>
-          </a:xfrm>
           <a:prstGeom prst="rect">
             <a:avLst/>
           </a:prstGeom>
@@ -14645,7 +14621,7 @@
         <p:spPr>
           <a:xfrm>
             <a:off x="1060095" y="1739331"/>
-            <a:ext cx="3182845" cy="1529186"/>
+            <a:ext cx="3182846" cy="1529186"/>
           </a:xfrm>
           <a:prstGeom prst="rect">
             <a:avLst/>
@@ -14936,10 +14912,6 @@
           </p:nvPr>
         </p:nvSpPr>
         <p:spPr>
-          <a:xfrm>
-            <a:off x="838200" y="365125"/>
-            <a:ext cx="10515600" cy="1325563"/>
-          </a:xfrm>
           <a:prstGeom prst="rect">
             <a:avLst/>
           </a:prstGeom>
@@ -14970,7 +14942,7 @@
         <p:spPr>
           <a:xfrm>
             <a:off x="1060095" y="1739331"/>
-            <a:ext cx="3182845" cy="1529186"/>
+            <a:ext cx="3182846" cy="1529186"/>
           </a:xfrm>
           <a:prstGeom prst="rect">
             <a:avLst/>
@@ -15384,7 +15356,7 @@
         </p:nvSpPr>
         <p:spPr>
           <a:xfrm>
-            <a:off x="8460416" y="3493994"/>
+            <a:off x="8460417" y="3493994"/>
             <a:ext cx="512604" cy="512604"/>
           </a:xfrm>
           <a:prstGeom prst="line">
@@ -15625,8 +15597,8 @@
         </p:nvSpPr>
         <p:spPr>
           <a:xfrm>
-            <a:off x="8794601" y="2300790"/>
-            <a:ext cx="2728929" cy="333086"/>
+            <a:off x="8794601" y="2300789"/>
+            <a:ext cx="2728929" cy="333087"/>
           </a:xfrm>
           <a:prstGeom prst="rect">
             <a:avLst/>
@@ -15701,7 +15673,7 @@
         </p:nvSpPr>
         <p:spPr>
           <a:xfrm flipV="1">
-            <a:off x="9501423" y="3597897"/>
+            <a:off x="9501424" y="3597897"/>
             <a:ext cx="425181" cy="377870"/>
           </a:xfrm>
           <a:prstGeom prst="line">
@@ -15860,8 +15832,8 @@
         </p:nvSpPr>
         <p:spPr>
           <a:xfrm>
-            <a:off x="5139301" y="3280406"/>
-            <a:ext cx="1178685" cy="333087"/>
+            <a:off x="5139301" y="3280407"/>
+            <a:ext cx="1178685" cy="333086"/>
           </a:xfrm>
           <a:prstGeom prst="rect">
             <a:avLst/>
@@ -16070,7 +16042,7 @@
         </p:nvSpPr>
         <p:spPr>
           <a:xfrm>
-            <a:off x="8120443" y="3720732"/>
+            <a:off x="8120442" y="3720733"/>
             <a:ext cx="2" cy="595841"/>
           </a:xfrm>
           <a:prstGeom prst="line">
@@ -16127,10 +16099,6 @@
           </p:nvPr>
         </p:nvSpPr>
         <p:spPr>
-          <a:xfrm>
-            <a:off x="838200" y="365125"/>
-            <a:ext cx="10515600" cy="1325563"/>
-          </a:xfrm>
           <a:prstGeom prst="rect">
             <a:avLst/>
           </a:prstGeom>
@@ -16161,7 +16129,7 @@
         <p:spPr>
           <a:xfrm>
             <a:off x="1060095" y="1739331"/>
-            <a:ext cx="3182845" cy="1529186"/>
+            <a:ext cx="3182846" cy="1529186"/>
           </a:xfrm>
           <a:prstGeom prst="rect">
             <a:avLst/>
@@ -16794,8 +16762,8 @@
         </p:nvSpPr>
         <p:spPr>
           <a:xfrm>
-            <a:off x="-29986" y="3262456"/>
-            <a:ext cx="220001" cy="333087"/>
+            <a:off x="-29986" y="3262457"/>
+            <a:ext cx="220001" cy="333086"/>
           </a:xfrm>
           <a:prstGeom prst="rect">
             <a:avLst/>
@@ -16830,7 +16798,7 @@
         </p:nvSpPr>
         <p:spPr>
           <a:xfrm flipV="1">
-            <a:off x="1713408" y="3245293"/>
+            <a:off x="1713407" y="3245293"/>
             <a:ext cx="2" cy="3571147"/>
           </a:xfrm>
           <a:prstGeom prst="line">
@@ -16860,7 +16828,7 @@
         <p:spPr>
           <a:xfrm>
             <a:off x="60089" y="5152611"/>
-            <a:ext cx="3547263" cy="2"/>
+            <a:ext cx="3547264" cy="3"/>
           </a:xfrm>
           <a:prstGeom prst="line">
             <a:avLst/>
@@ -16888,8 +16856,8 @@
         </p:nvSpPr>
         <p:spPr>
           <a:xfrm>
-            <a:off x="-29986" y="5239778"/>
-            <a:ext cx="220001" cy="333087"/>
+            <a:off x="-29986" y="5239779"/>
+            <a:ext cx="220001" cy="333086"/>
           </a:xfrm>
           <a:prstGeom prst="rect">
             <a:avLst/>
@@ -17293,7 +17261,7 @@
         <p:spPr>
           <a:xfrm>
             <a:off x="2755588" y="3675183"/>
-            <a:ext cx="306362" cy="313681"/>
+            <a:ext cx="306361" cy="313681"/>
           </a:xfrm>
           <a:prstGeom prst="line">
             <a:avLst/>
@@ -17322,7 +17290,7 @@
         </p:nvSpPr>
         <p:spPr>
           <a:xfrm flipH="1">
-            <a:off x="2252114" y="3685064"/>
+            <a:off x="2252114" y="3685065"/>
             <a:ext cx="279603" cy="283440"/>
           </a:xfrm>
           <a:prstGeom prst="line">
@@ -17721,7 +17689,7 @@
         <p:spPr>
           <a:xfrm>
             <a:off x="869332" y="5602013"/>
-            <a:ext cx="306362" cy="313681"/>
+            <a:ext cx="306361" cy="313681"/>
           </a:xfrm>
           <a:prstGeom prst="line">
             <a:avLst/>
@@ -17750,7 +17718,7 @@
         </p:nvSpPr>
         <p:spPr>
           <a:xfrm flipH="1">
-            <a:off x="365857" y="5611895"/>
+            <a:off x="365858" y="5611895"/>
             <a:ext cx="279604" cy="283440"/>
           </a:xfrm>
           <a:prstGeom prst="line">
@@ -17781,7 +17749,7 @@
         <p:spPr>
           <a:xfrm>
             <a:off x="352626" y="6209789"/>
-            <a:ext cx="306361" cy="313681"/>
+            <a:ext cx="306360" cy="313682"/>
           </a:xfrm>
           <a:prstGeom prst="line">
             <a:avLst/>
@@ -17810,7 +17778,7 @@
         </p:nvSpPr>
         <p:spPr>
           <a:xfrm flipH="1">
-            <a:off x="934894" y="6186623"/>
+            <a:off x="934895" y="6186624"/>
             <a:ext cx="249844" cy="306651"/>
           </a:xfrm>
           <a:prstGeom prst="line">
@@ -18146,8 +18114,8 @@
         </p:nvSpPr>
         <p:spPr>
           <a:xfrm flipH="1">
-            <a:off x="770727" y="5628635"/>
-            <a:ext cx="964" cy="251609"/>
+            <a:off x="770726" y="5628635"/>
+            <a:ext cx="965" cy="251609"/>
           </a:xfrm>
           <a:prstGeom prst="line">
             <a:avLst/>
@@ -18203,10 +18171,6 @@
           </p:nvPr>
         </p:nvSpPr>
         <p:spPr>
-          <a:xfrm>
-            <a:off x="838200" y="365125"/>
-            <a:ext cx="10515600" cy="1325563"/>
-          </a:xfrm>
           <a:prstGeom prst="rect">
             <a:avLst/>
           </a:prstGeom>
@@ -18237,7 +18201,7 @@
         <p:spPr>
           <a:xfrm>
             <a:off x="1060095" y="1739331"/>
-            <a:ext cx="3182845" cy="1529186"/>
+            <a:ext cx="3182846" cy="1529186"/>
           </a:xfrm>
           <a:prstGeom prst="rect">
             <a:avLst/>
@@ -18283,8 +18247,8 @@
         </p:nvSpPr>
         <p:spPr>
           <a:xfrm>
-            <a:off x="600891" y="5669225"/>
-            <a:ext cx="3663811" cy="760768"/>
+            <a:off x="600892" y="5669225"/>
+            <a:ext cx="3663810" cy="760768"/>
           </a:xfrm>
           <a:prstGeom prst="rect">
             <a:avLst/>
@@ -18750,7 +18714,7 @@
         <p:spPr>
           <a:xfrm>
             <a:off x="5021015" y="2946973"/>
-            <a:ext cx="512605" cy="512604"/>
+            <a:ext cx="512604" cy="512604"/>
           </a:xfrm>
           <a:prstGeom prst="line">
             <a:avLst/>
@@ -18779,7 +18743,7 @@
         </p:nvSpPr>
         <p:spPr>
           <a:xfrm flipH="1">
-            <a:off x="3908926" y="2981892"/>
+            <a:off x="3908925" y="2981892"/>
             <a:ext cx="442768" cy="442768"/>
           </a:xfrm>
           <a:prstGeom prst="line">
@@ -18809,7 +18773,7 @@
         </p:nvSpPr>
         <p:spPr>
           <a:xfrm>
-            <a:off x="5800788" y="4121439"/>
+            <a:off x="5800788" y="4121440"/>
             <a:ext cx="2" cy="595841"/>
           </a:xfrm>
           <a:prstGeom prst="line">
@@ -18931,7 +18895,7 @@
         </p:nvSpPr>
         <p:spPr>
           <a:xfrm>
-            <a:off x="3646289" y="4127858"/>
+            <a:off x="3646289" y="4127859"/>
             <a:ext cx="2" cy="595841"/>
           </a:xfrm>
           <a:prstGeom prst="line">
@@ -19371,7 +19335,7 @@
         </p:nvSpPr>
         <p:spPr>
           <a:xfrm flipH="1">
-            <a:off x="7619534" y="2981892"/>
+            <a:off x="7619535" y="2981892"/>
             <a:ext cx="442768" cy="442768"/>
           </a:xfrm>
           <a:prstGeom prst="line">
@@ -19401,7 +19365,7 @@
         </p:nvSpPr>
         <p:spPr>
           <a:xfrm>
-            <a:off x="9511396" y="4121439"/>
+            <a:off x="9511396" y="4121440"/>
             <a:ext cx="2" cy="595841"/>
           </a:xfrm>
           <a:prstGeom prst="line">
@@ -19523,7 +19487,7 @@
         </p:nvSpPr>
         <p:spPr>
           <a:xfrm>
-            <a:off x="7356898" y="4127858"/>
+            <a:off x="7356897" y="4127859"/>
             <a:ext cx="2" cy="595841"/>
           </a:xfrm>
           <a:prstGeom prst="line">
@@ -19645,8 +19609,8 @@
         </p:nvSpPr>
         <p:spPr>
           <a:xfrm>
-            <a:off x="8391649" y="3153664"/>
-            <a:ext cx="2" cy="595840"/>
+            <a:off x="8391649" y="3153663"/>
+            <a:ext cx="2" cy="595841"/>
           </a:xfrm>
           <a:prstGeom prst="line">
             <a:avLst/>
@@ -19767,8 +19731,8 @@
         </p:nvSpPr>
         <p:spPr>
           <a:xfrm>
-            <a:off x="4681042" y="3153664"/>
-            <a:ext cx="2" cy="595840"/>
+            <a:off x="4681042" y="3153663"/>
+            <a:ext cx="2" cy="595841"/>
           </a:xfrm>
           <a:prstGeom prst="line">
             <a:avLst/>

--- a/task6.pptx
+++ b/task6.pptx
@@ -1855,7 +1855,7 @@
           </a:ln>
           <a:extLst>
             <a:ext uri="{C572A759-6A51-4108-AA02-DFA0A04FC94B}">
-              <ma14:wrappingTextBoxFlag xmlns="" xmlns:m="http://schemas.openxmlformats.org/officeDocument/2006/math" xmlns:a14="http://schemas.microsoft.com/office/drawing/2010/main" xmlns:ma14="http://schemas.microsoft.com/office/mac/drawingml/2011/main" val="1"/>
+              <ma14:wrappingTextBoxFlag xmlns:ma14="http://schemas.microsoft.com/office/mac/drawingml/2011/main" xmlns:a14="http://schemas.microsoft.com/office/drawing/2010/main" xmlns:m="http://schemas.openxmlformats.org/officeDocument/2006/math" xmlns="" val="1"/>
             </a:ext>
           </a:extLst>
         </p:spPr>
@@ -1894,7 +1894,7 @@
           </a:ln>
           <a:extLst>
             <a:ext uri="{C572A759-6A51-4108-AA02-DFA0A04FC94B}">
-              <ma14:wrappingTextBoxFlag xmlns="" xmlns:m="http://schemas.openxmlformats.org/officeDocument/2006/math" xmlns:a14="http://schemas.microsoft.com/office/drawing/2010/main" xmlns:ma14="http://schemas.microsoft.com/office/mac/drawingml/2011/main" val="1"/>
+              <ma14:wrappingTextBoxFlag xmlns:ma14="http://schemas.microsoft.com/office/mac/drawingml/2011/main" xmlns:a14="http://schemas.microsoft.com/office/drawing/2010/main" xmlns:m="http://schemas.openxmlformats.org/officeDocument/2006/math" xmlns="" val="1"/>
             </a:ext>
           </a:extLst>
         </p:spPr>
@@ -2741,7 +2741,7 @@
           </a:ln>
           <a:extLst>
             <a:ext uri="{C572A759-6A51-4108-AA02-DFA0A04FC94B}">
-              <ma14:wrappingTextBoxFlag xmlns="" xmlns:m="http://schemas.openxmlformats.org/officeDocument/2006/math" xmlns:a14="http://schemas.microsoft.com/office/drawing/2010/main" xmlns:ma14="http://schemas.microsoft.com/office/mac/drawingml/2011/main" val="1"/>
+              <ma14:wrappingTextBoxFlag xmlns:ma14="http://schemas.microsoft.com/office/mac/drawingml/2011/main" xmlns:a14="http://schemas.microsoft.com/office/drawing/2010/main" xmlns:m="http://schemas.openxmlformats.org/officeDocument/2006/math" xmlns="" val="1"/>
             </a:ext>
           </a:extLst>
         </p:spPr>
@@ -2945,7 +2945,7 @@
           </a:ln>
           <a:extLst>
             <a:ext uri="{C572A759-6A51-4108-AA02-DFA0A04FC94B}">
-              <ma14:wrappingTextBoxFlag xmlns="" xmlns:m="http://schemas.openxmlformats.org/officeDocument/2006/math" xmlns:a14="http://schemas.microsoft.com/office/drawing/2010/main" xmlns:ma14="http://schemas.microsoft.com/office/mac/drawingml/2011/main" val="1"/>
+              <ma14:wrappingTextBoxFlag xmlns:ma14="http://schemas.microsoft.com/office/mac/drawingml/2011/main" xmlns:a14="http://schemas.microsoft.com/office/drawing/2010/main" xmlns:m="http://schemas.openxmlformats.org/officeDocument/2006/math" xmlns="" val="1"/>
             </a:ext>
           </a:extLst>
         </p:spPr>
@@ -3154,7 +3154,7 @@
           </a:ln>
           <a:extLst>
             <a:ext uri="{C572A759-6A51-4108-AA02-DFA0A04FC94B}">
-              <ma14:wrappingTextBoxFlag xmlns="" xmlns:m="http://schemas.openxmlformats.org/officeDocument/2006/math" xmlns:a14="http://schemas.microsoft.com/office/drawing/2010/main" xmlns:ma14="http://schemas.microsoft.com/office/mac/drawingml/2011/main" val="1"/>
+              <ma14:wrappingTextBoxFlag xmlns:ma14="http://schemas.microsoft.com/office/mac/drawingml/2011/main" xmlns:a14="http://schemas.microsoft.com/office/drawing/2010/main" xmlns:m="http://schemas.openxmlformats.org/officeDocument/2006/math" xmlns="" val="1"/>
             </a:ext>
           </a:extLst>
         </p:spPr>
@@ -3222,7 +3222,7 @@
           </a:ln>
           <a:extLst>
             <a:ext uri="{C572A759-6A51-4108-AA02-DFA0A04FC94B}">
-              <ma14:wrappingTextBoxFlag xmlns="" xmlns:m="http://schemas.openxmlformats.org/officeDocument/2006/math" xmlns:a14="http://schemas.microsoft.com/office/drawing/2010/main" xmlns:ma14="http://schemas.microsoft.com/office/mac/drawingml/2011/main" val="1"/>
+              <ma14:wrappingTextBoxFlag xmlns:ma14="http://schemas.microsoft.com/office/mac/drawingml/2011/main" xmlns:a14="http://schemas.microsoft.com/office/drawing/2010/main" xmlns:m="http://schemas.openxmlformats.org/officeDocument/2006/math" xmlns="" val="1"/>
             </a:ext>
           </a:extLst>
         </p:spPr>
@@ -3533,8 +3533,8 @@
         </p:nvSpPr>
         <p:spPr>
           <a:xfrm>
-            <a:off x="5953559" y="2727026"/>
-            <a:ext cx="1435714" cy="954103"/>
+            <a:off x="6322434" y="2727026"/>
+            <a:ext cx="1435714" cy="738660"/>
           </a:xfrm>
           <a:prstGeom prst="rect">
             <a:avLst/>
@@ -3582,7 +3582,7 @@
               <a:tabLst/>
             </a:pPr>
             <a:r>
-              <a:rPr kumimoji="0" lang="ru-RU" sz="1400" b="0" i="0" u="none" strike="noStrike" cap="none" spc="0" normalizeH="0" baseline="0" dirty="0">
+              <a:rPr kumimoji="0" lang="ru-RU" sz="1400" b="0" i="0" u="none" strike="noStrike" cap="none" spc="0" normalizeH="0" baseline="0" dirty="0" smtClean="0">
                 <a:ln>
                   <a:noFill/>
                 </a:ln>
@@ -3596,7 +3596,41 @@
                 <a:cs typeface="+mj-cs"/>
                 <a:sym typeface="Calibri"/>
               </a:rPr>
-              <a:t>Любое положительное число символов </a:t>
+              <a:t>Непустая цепочка</a:t>
+            </a:r>
+            <a:r>
+              <a:rPr kumimoji="0" lang="ru-RU" sz="1400" b="0" i="0" u="none" strike="noStrike" cap="none" spc="0" normalizeH="0" dirty="0" smtClean="0">
+                <a:ln>
+                  <a:noFill/>
+                </a:ln>
+                <a:solidFill>
+                  <a:srgbClr val="000000"/>
+                </a:solidFill>
+                <a:effectLst/>
+                <a:uFillTx/>
+                <a:latin typeface="+mj-lt"/>
+                <a:ea typeface="+mj-ea"/>
+                <a:cs typeface="+mj-cs"/>
+                <a:sym typeface="Calibri"/>
+              </a:rPr>
+              <a:t> </a:t>
+            </a:r>
+            <a:r>
+              <a:rPr kumimoji="0" lang="ru-RU" sz="1400" b="0" i="0" u="none" strike="noStrike" cap="none" spc="0" normalizeH="0" baseline="0" dirty="0" smtClean="0">
+                <a:ln>
+                  <a:noFill/>
+                </a:ln>
+                <a:solidFill>
+                  <a:srgbClr val="000000"/>
+                </a:solidFill>
+                <a:effectLst/>
+                <a:uFillTx/>
+                <a:latin typeface="+mj-lt"/>
+                <a:ea typeface="+mj-ea"/>
+                <a:cs typeface="+mj-cs"/>
+                <a:sym typeface="Calibri"/>
+              </a:rPr>
+              <a:t>символов </a:t>
             </a:r>
             <a:r>
               <a:rPr kumimoji="0" lang="en-US" sz="1400" b="0" i="0" u="none" strike="noStrike" cap="none" spc="0" normalizeH="0" baseline="0" dirty="0">
@@ -3869,8 +3903,8 @@
         </p:nvSpPr>
         <p:spPr>
           <a:xfrm>
-            <a:off x="7593391" y="2722336"/>
-            <a:ext cx="1435714" cy="954103"/>
+            <a:off x="7758148" y="2721851"/>
+            <a:ext cx="1435714" cy="738660"/>
           </a:xfrm>
           <a:prstGeom prst="rect">
             <a:avLst/>
@@ -3901,70 +3935,15 @@
           </a:bodyPr>
           <a:lstStyle/>
           <a:p>
-            <a:pPr marL="0" marR="0" indent="0" defTabSz="914400" rtl="0" fontAlgn="auto" latinLnBrk="0" hangingPunct="0">
-              <a:lnSpc>
-                <a:spcPct val="100000"/>
-              </a:lnSpc>
-              <a:spcBef>
-                <a:spcPts val="0"/>
-              </a:spcBef>
-              <a:spcAft>
-                <a:spcPts val="0"/>
-              </a:spcAft>
-              <a:buClrTx/>
-              <a:buSzTx/>
-              <a:buFontTx/>
-              <a:buNone/>
-              <a:tabLst/>
-            </a:pPr>
-            <a:r>
-              <a:rPr kumimoji="0" lang="ru-RU" sz="1400" b="0" i="0" u="none" strike="noStrike" cap="none" spc="0" normalizeH="0" baseline="0" dirty="0">
-                <a:ln>
-                  <a:noFill/>
-                </a:ln>
-                <a:solidFill>
-                  <a:srgbClr val="000000"/>
-                </a:solidFill>
-                <a:effectLst/>
-                <a:uFillTx/>
-                <a:latin typeface="+mj-lt"/>
-                <a:ea typeface="+mj-ea"/>
-                <a:cs typeface="+mj-cs"/>
-                <a:sym typeface="Calibri"/>
-              </a:rPr>
-              <a:t>Любое положительное число символов </a:t>
-            </a:r>
-            <a:r>
-              <a:rPr kumimoji="0" lang="en-US" sz="1400" b="0" i="0" u="none" strike="noStrike" cap="none" spc="0" normalizeH="0" baseline="0" dirty="0">
-                <a:ln>
-                  <a:noFill/>
-                </a:ln>
-                <a:solidFill>
-                  <a:srgbClr val="000000"/>
-                </a:solidFill>
-                <a:effectLst/>
-                <a:uFillTx/>
-                <a:latin typeface="+mj-lt"/>
-                <a:ea typeface="+mj-ea"/>
-                <a:cs typeface="+mj-cs"/>
-                <a:sym typeface="Calibri"/>
-              </a:rPr>
+            <a:r>
+              <a:rPr lang="ru-RU" sz="1400" dirty="0"/>
+              <a:t>Непустая цепочка символов </a:t>
+            </a:r>
+            <a:r>
+              <a:rPr lang="en-US" sz="1400" dirty="0"/>
               <a:t>‘a’</a:t>
             </a:r>
-            <a:endParaRPr kumimoji="0" lang="ru-RU" sz="1400" b="0" i="0" u="none" strike="noStrike" cap="none" spc="0" normalizeH="0" baseline="0" dirty="0">
-              <a:ln>
-                <a:noFill/>
-              </a:ln>
-              <a:solidFill>
-                <a:srgbClr val="000000"/>
-              </a:solidFill>
-              <a:effectLst/>
-              <a:uFillTx/>
-              <a:latin typeface="+mj-lt"/>
-              <a:ea typeface="+mj-ea"/>
-              <a:cs typeface="+mj-cs"/>
-              <a:sym typeface="Calibri"/>
-            </a:endParaRPr>
+            <a:endParaRPr lang="ru-RU" sz="1400" dirty="0"/>
           </a:p>
         </p:txBody>
       </p:sp>
@@ -4032,8 +4011,20 @@
               <a:t>1) </a:t>
             </a:r>
             <a:r>
-              <a:rPr lang="ru-RU"/>
-              <a:t>БНФ правило для описания положительной цепочки символов </a:t>
+              <a:rPr lang="ru-RU" dirty="0"/>
+              <a:t>БНФ правило для </a:t>
+            </a:r>
+            <a:r>
+              <a:rPr lang="ru-RU" dirty="0" smtClean="0"/>
+              <a:t>описания </a:t>
+            </a:r>
+            <a:r>
+              <a:rPr lang="ru-RU" dirty="0" smtClean="0"/>
+              <a:t>непустой цепочки из </a:t>
+            </a:r>
+            <a:r>
+              <a:rPr lang="ru-RU" dirty="0" smtClean="0"/>
+              <a:t>символов </a:t>
             </a:r>
             <a:r>
               <a:rPr lang="en-US" dirty="0"/>
@@ -4081,7 +4072,7 @@
           </a:ln>
           <a:extLst>
             <a:ext uri="{C572A759-6A51-4108-AA02-DFA0A04FC94B}">
-              <ma14:wrappingTextBoxFlag xmlns="" xmlns:m="http://schemas.openxmlformats.org/officeDocument/2006/math" xmlns:a14="http://schemas.microsoft.com/office/drawing/2010/main" xmlns:ma14="http://schemas.microsoft.com/office/mac/drawingml/2011/main" val="1"/>
+              <ma14:wrappingTextBoxFlag xmlns:ma14="http://schemas.microsoft.com/office/mac/drawingml/2011/main" xmlns:a14="http://schemas.microsoft.com/office/drawing/2010/main" xmlns:m="http://schemas.openxmlformats.org/officeDocument/2006/math" xmlns="" val="1"/>
             </a:ext>
           </a:extLst>
         </p:spPr>
@@ -4328,7 +4319,7 @@
           </a:ln>
           <a:extLst>
             <a:ext uri="{C572A759-6A51-4108-AA02-DFA0A04FC94B}">
-              <ma14:wrappingTextBoxFlag xmlns:ma14="http://schemas.microsoft.com/office/mac/drawingml/2011/main" xmlns:a14="http://schemas.microsoft.com/office/drawing/2010/main" xmlns:m="http://schemas.openxmlformats.org/officeDocument/2006/math" xmlns="" val="1"/>
+              <ma14:wrappingTextBoxFlag xmlns="" xmlns:m="http://schemas.openxmlformats.org/officeDocument/2006/math" xmlns:a14="http://schemas.microsoft.com/office/drawing/2010/main" xmlns:ma14="http://schemas.microsoft.com/office/mac/drawingml/2011/main" val="1"/>
             </a:ext>
           </a:extLst>
         </p:spPr>
@@ -4673,7 +4664,7 @@
           </a:ln>
           <a:extLst>
             <a:ext uri="{C572A759-6A51-4108-AA02-DFA0A04FC94B}">
-              <ma14:wrappingTextBoxFlag xmlns="" xmlns:m="http://schemas.openxmlformats.org/officeDocument/2006/math" xmlns:a14="http://schemas.microsoft.com/office/drawing/2010/main" xmlns:ma14="http://schemas.microsoft.com/office/mac/drawingml/2011/main" val="1"/>
+              <ma14:wrappingTextBoxFlag xmlns:ma14="http://schemas.microsoft.com/office/mac/drawingml/2011/main" xmlns:a14="http://schemas.microsoft.com/office/drawing/2010/main" xmlns:m="http://schemas.openxmlformats.org/officeDocument/2006/math" xmlns="" val="1"/>
             </a:ext>
           </a:extLst>
         </p:spPr>
@@ -4739,7 +4730,7 @@
           </a:ln>
           <a:extLst>
             <a:ext uri="{C572A759-6A51-4108-AA02-DFA0A04FC94B}">
-              <ma14:wrappingTextBoxFlag xmlns="" xmlns:m="http://schemas.openxmlformats.org/officeDocument/2006/math" xmlns:a14="http://schemas.microsoft.com/office/drawing/2010/main" xmlns:ma14="http://schemas.microsoft.com/office/mac/drawingml/2011/main" val="1"/>
+              <ma14:wrappingTextBoxFlag xmlns:ma14="http://schemas.microsoft.com/office/mac/drawingml/2011/main" xmlns:a14="http://schemas.microsoft.com/office/drawing/2010/main" xmlns:m="http://schemas.openxmlformats.org/officeDocument/2006/math" xmlns="" val="1"/>
             </a:ext>
           </a:extLst>
         </p:spPr>
@@ -4832,7 +4823,7 @@
             <a:effectLst/>
             <a:extLst>
               <a:ext uri="{C572A759-6A51-4108-AA02-DFA0A04FC94B}">
-                <ma14:wrappingTextBoxFlag xmlns="" xmlns:m="http://schemas.openxmlformats.org/officeDocument/2006/math" xmlns:a14="http://schemas.microsoft.com/office/drawing/2010/main" xmlns:ma14="http://schemas.microsoft.com/office/mac/drawingml/2011/main" val="1"/>
+                <ma14:wrappingTextBoxFlag xmlns:ma14="http://schemas.microsoft.com/office/mac/drawingml/2011/main" xmlns:a14="http://schemas.microsoft.com/office/drawing/2010/main" xmlns:m="http://schemas.openxmlformats.org/officeDocument/2006/math" xmlns="" val="1"/>
               </a:ext>
             </a:extLst>
           </p:spPr>
@@ -4924,7 +4915,7 @@
             <a:effectLst/>
             <a:extLst>
               <a:ext uri="{C572A759-6A51-4108-AA02-DFA0A04FC94B}">
-                <ma14:wrappingTextBoxFlag xmlns="" xmlns:m="http://schemas.openxmlformats.org/officeDocument/2006/math" xmlns:a14="http://schemas.microsoft.com/office/drawing/2010/main" xmlns:ma14="http://schemas.microsoft.com/office/mac/drawingml/2011/main" val="1"/>
+                <ma14:wrappingTextBoxFlag xmlns:ma14="http://schemas.microsoft.com/office/mac/drawingml/2011/main" xmlns:a14="http://schemas.microsoft.com/office/drawing/2010/main" xmlns:m="http://schemas.openxmlformats.org/officeDocument/2006/math" xmlns="" val="1"/>
               </a:ext>
             </a:extLst>
           </p:spPr>
@@ -5016,7 +5007,7 @@
             <a:effectLst/>
             <a:extLst>
               <a:ext uri="{C572A759-6A51-4108-AA02-DFA0A04FC94B}">
-                <ma14:wrappingTextBoxFlag xmlns="" xmlns:m="http://schemas.openxmlformats.org/officeDocument/2006/math" xmlns:a14="http://schemas.microsoft.com/office/drawing/2010/main" xmlns:ma14="http://schemas.microsoft.com/office/mac/drawingml/2011/main" val="1"/>
+                <ma14:wrappingTextBoxFlag xmlns:ma14="http://schemas.microsoft.com/office/mac/drawingml/2011/main" xmlns:a14="http://schemas.microsoft.com/office/drawing/2010/main" xmlns:m="http://schemas.openxmlformats.org/officeDocument/2006/math" xmlns="" val="1"/>
               </a:ext>
             </a:extLst>
           </p:spPr>
@@ -5108,7 +5099,7 @@
             <a:effectLst/>
             <a:extLst>
               <a:ext uri="{C572A759-6A51-4108-AA02-DFA0A04FC94B}">
-                <ma14:wrappingTextBoxFlag xmlns="" xmlns:m="http://schemas.openxmlformats.org/officeDocument/2006/math" xmlns:a14="http://schemas.microsoft.com/office/drawing/2010/main" xmlns:ma14="http://schemas.microsoft.com/office/mac/drawingml/2011/main" val="1"/>
+                <ma14:wrappingTextBoxFlag xmlns:ma14="http://schemas.microsoft.com/office/mac/drawingml/2011/main" xmlns:a14="http://schemas.microsoft.com/office/drawing/2010/main" xmlns:m="http://schemas.openxmlformats.org/officeDocument/2006/math" xmlns="" val="1"/>
               </a:ext>
             </a:extLst>
           </p:spPr>
@@ -5290,7 +5281,7 @@
             <a:effectLst/>
             <a:extLst>
               <a:ext uri="{C572A759-6A51-4108-AA02-DFA0A04FC94B}">
-                <ma14:wrappingTextBoxFlag xmlns="" xmlns:m="http://schemas.openxmlformats.org/officeDocument/2006/math" xmlns:a14="http://schemas.microsoft.com/office/drawing/2010/main" xmlns:ma14="http://schemas.microsoft.com/office/mac/drawingml/2011/main" val="1"/>
+                <ma14:wrappingTextBoxFlag xmlns:ma14="http://schemas.microsoft.com/office/mac/drawingml/2011/main" xmlns:a14="http://schemas.microsoft.com/office/drawing/2010/main" xmlns:m="http://schemas.openxmlformats.org/officeDocument/2006/math" xmlns="" val="1"/>
               </a:ext>
             </a:extLst>
           </p:spPr>
@@ -5412,7 +5403,7 @@
             <a:effectLst/>
             <a:extLst>
               <a:ext uri="{C572A759-6A51-4108-AA02-DFA0A04FC94B}">
-                <ma14:wrappingTextBoxFlag xmlns="" xmlns:m="http://schemas.openxmlformats.org/officeDocument/2006/math" xmlns:a14="http://schemas.microsoft.com/office/drawing/2010/main" xmlns:ma14="http://schemas.microsoft.com/office/mac/drawingml/2011/main" val="1"/>
+                <ma14:wrappingTextBoxFlag xmlns:ma14="http://schemas.microsoft.com/office/mac/drawingml/2011/main" xmlns:a14="http://schemas.microsoft.com/office/drawing/2010/main" xmlns:m="http://schemas.openxmlformats.org/officeDocument/2006/math" xmlns="" val="1"/>
               </a:ext>
             </a:extLst>
           </p:spPr>
@@ -5534,7 +5525,7 @@
             <a:effectLst/>
             <a:extLst>
               <a:ext uri="{C572A759-6A51-4108-AA02-DFA0A04FC94B}">
-                <ma14:wrappingTextBoxFlag xmlns="" xmlns:m="http://schemas.openxmlformats.org/officeDocument/2006/math" xmlns:a14="http://schemas.microsoft.com/office/drawing/2010/main" xmlns:ma14="http://schemas.microsoft.com/office/mac/drawingml/2011/main" val="1"/>
+                <ma14:wrappingTextBoxFlag xmlns:ma14="http://schemas.microsoft.com/office/mac/drawingml/2011/main" xmlns:a14="http://schemas.microsoft.com/office/drawing/2010/main" xmlns:m="http://schemas.openxmlformats.org/officeDocument/2006/math" xmlns="" val="1"/>
               </a:ext>
             </a:extLst>
           </p:spPr>
@@ -5626,7 +5617,7 @@
             <a:effectLst/>
             <a:extLst>
               <a:ext uri="{C572A759-6A51-4108-AA02-DFA0A04FC94B}">
-                <ma14:wrappingTextBoxFlag xmlns="" xmlns:m="http://schemas.openxmlformats.org/officeDocument/2006/math" xmlns:a14="http://schemas.microsoft.com/office/drawing/2010/main" xmlns:ma14="http://schemas.microsoft.com/office/mac/drawingml/2011/main" val="1"/>
+                <ma14:wrappingTextBoxFlag xmlns:ma14="http://schemas.microsoft.com/office/mac/drawingml/2011/main" xmlns:a14="http://schemas.microsoft.com/office/drawing/2010/main" xmlns:m="http://schemas.openxmlformats.org/officeDocument/2006/math" xmlns="" val="1"/>
               </a:ext>
             </a:extLst>
           </p:spPr>
@@ -5718,7 +5709,7 @@
             <a:effectLst/>
             <a:extLst>
               <a:ext uri="{C572A759-6A51-4108-AA02-DFA0A04FC94B}">
-                <ma14:wrappingTextBoxFlag xmlns="" xmlns:m="http://schemas.openxmlformats.org/officeDocument/2006/math" xmlns:a14="http://schemas.microsoft.com/office/drawing/2010/main" xmlns:ma14="http://schemas.microsoft.com/office/mac/drawingml/2011/main" val="1"/>
+                <ma14:wrappingTextBoxFlag xmlns:ma14="http://schemas.microsoft.com/office/mac/drawingml/2011/main" xmlns:a14="http://schemas.microsoft.com/office/drawing/2010/main" xmlns:m="http://schemas.openxmlformats.org/officeDocument/2006/math" xmlns="" val="1"/>
               </a:ext>
             </a:extLst>
           </p:spPr>
@@ -5870,7 +5861,7 @@
             <a:effectLst/>
             <a:extLst>
               <a:ext uri="{C572A759-6A51-4108-AA02-DFA0A04FC94B}">
-                <ma14:wrappingTextBoxFlag xmlns="" xmlns:m="http://schemas.openxmlformats.org/officeDocument/2006/math" xmlns:a14="http://schemas.microsoft.com/office/drawing/2010/main" xmlns:ma14="http://schemas.microsoft.com/office/mac/drawingml/2011/main" val="1"/>
+                <ma14:wrappingTextBoxFlag xmlns:ma14="http://schemas.microsoft.com/office/mac/drawingml/2011/main" xmlns:a14="http://schemas.microsoft.com/office/drawing/2010/main" xmlns:m="http://schemas.openxmlformats.org/officeDocument/2006/math" xmlns="" val="1"/>
               </a:ext>
             </a:extLst>
           </p:spPr>
@@ -5992,7 +5983,7 @@
             <a:effectLst/>
             <a:extLst>
               <a:ext uri="{C572A759-6A51-4108-AA02-DFA0A04FC94B}">
-                <ma14:wrappingTextBoxFlag xmlns="" xmlns:m="http://schemas.openxmlformats.org/officeDocument/2006/math" xmlns:a14="http://schemas.microsoft.com/office/drawing/2010/main" xmlns:ma14="http://schemas.microsoft.com/office/mac/drawingml/2011/main" val="1"/>
+                <ma14:wrappingTextBoxFlag xmlns:ma14="http://schemas.microsoft.com/office/mac/drawingml/2011/main" xmlns:a14="http://schemas.microsoft.com/office/drawing/2010/main" xmlns:m="http://schemas.openxmlformats.org/officeDocument/2006/math" xmlns="" val="1"/>
               </a:ext>
             </a:extLst>
           </p:spPr>
@@ -6060,7 +6051,7 @@
           </a:ln>
           <a:extLst>
             <a:ext uri="{C572A759-6A51-4108-AA02-DFA0A04FC94B}">
-              <ma14:wrappingTextBoxFlag xmlns="" xmlns:m="http://schemas.openxmlformats.org/officeDocument/2006/math" xmlns:a14="http://schemas.microsoft.com/office/drawing/2010/main" xmlns:ma14="http://schemas.microsoft.com/office/mac/drawingml/2011/main" val="1"/>
+              <ma14:wrappingTextBoxFlag xmlns:ma14="http://schemas.microsoft.com/office/mac/drawingml/2011/main" xmlns:a14="http://schemas.microsoft.com/office/drawing/2010/main" xmlns:m="http://schemas.openxmlformats.org/officeDocument/2006/math" xmlns="" val="1"/>
             </a:ext>
           </a:extLst>
         </p:spPr>
@@ -6099,7 +6090,7 @@
           </a:ln>
           <a:extLst>
             <a:ext uri="{C572A759-6A51-4108-AA02-DFA0A04FC94B}">
-              <ma14:wrappingTextBoxFlag xmlns="" xmlns:m="http://schemas.openxmlformats.org/officeDocument/2006/math" xmlns:a14="http://schemas.microsoft.com/office/drawing/2010/main" xmlns:ma14="http://schemas.microsoft.com/office/mac/drawingml/2011/main" val="1"/>
+              <ma14:wrappingTextBoxFlag xmlns:ma14="http://schemas.microsoft.com/office/mac/drawingml/2011/main" xmlns:a14="http://schemas.microsoft.com/office/drawing/2010/main" xmlns:m="http://schemas.openxmlformats.org/officeDocument/2006/math" xmlns="" val="1"/>
             </a:ext>
           </a:extLst>
         </p:spPr>
@@ -6211,7 +6202,7 @@
             <a:effectLst/>
             <a:extLst>
               <a:ext uri="{C572A759-6A51-4108-AA02-DFA0A04FC94B}">
-                <ma14:wrappingTextBoxFlag xmlns="" xmlns:m="http://schemas.openxmlformats.org/officeDocument/2006/math" xmlns:a14="http://schemas.microsoft.com/office/drawing/2010/main" xmlns:ma14="http://schemas.microsoft.com/office/mac/drawingml/2011/main" val="1"/>
+                <ma14:wrappingTextBoxFlag xmlns:ma14="http://schemas.microsoft.com/office/mac/drawingml/2011/main" xmlns:a14="http://schemas.microsoft.com/office/drawing/2010/main" xmlns:m="http://schemas.openxmlformats.org/officeDocument/2006/math" xmlns="" val="1"/>
               </a:ext>
             </a:extLst>
           </p:spPr>
@@ -6333,7 +6324,7 @@
             <a:effectLst/>
             <a:extLst>
               <a:ext uri="{C572A759-6A51-4108-AA02-DFA0A04FC94B}">
-                <ma14:wrappingTextBoxFlag xmlns="" xmlns:m="http://schemas.openxmlformats.org/officeDocument/2006/math" xmlns:a14="http://schemas.microsoft.com/office/drawing/2010/main" xmlns:ma14="http://schemas.microsoft.com/office/mac/drawingml/2011/main" val="1"/>
+                <ma14:wrappingTextBoxFlag xmlns:ma14="http://schemas.microsoft.com/office/mac/drawingml/2011/main" xmlns:a14="http://schemas.microsoft.com/office/drawing/2010/main" xmlns:m="http://schemas.openxmlformats.org/officeDocument/2006/math" xmlns="" val="1"/>
               </a:ext>
             </a:extLst>
           </p:spPr>
@@ -6455,7 +6446,7 @@
             <a:effectLst/>
             <a:extLst>
               <a:ext uri="{C572A759-6A51-4108-AA02-DFA0A04FC94B}">
-                <ma14:wrappingTextBoxFlag xmlns="" xmlns:m="http://schemas.openxmlformats.org/officeDocument/2006/math" xmlns:a14="http://schemas.microsoft.com/office/drawing/2010/main" xmlns:ma14="http://schemas.microsoft.com/office/mac/drawingml/2011/main" val="1"/>
+                <ma14:wrappingTextBoxFlag xmlns:ma14="http://schemas.microsoft.com/office/mac/drawingml/2011/main" xmlns:a14="http://schemas.microsoft.com/office/drawing/2010/main" xmlns:m="http://schemas.openxmlformats.org/officeDocument/2006/math" xmlns="" val="1"/>
               </a:ext>
             </a:extLst>
           </p:spPr>
@@ -6577,7 +6568,7 @@
             <a:effectLst/>
             <a:extLst>
               <a:ext uri="{C572A759-6A51-4108-AA02-DFA0A04FC94B}">
-                <ma14:wrappingTextBoxFlag xmlns="" xmlns:m="http://schemas.openxmlformats.org/officeDocument/2006/math" xmlns:a14="http://schemas.microsoft.com/office/drawing/2010/main" xmlns:ma14="http://schemas.microsoft.com/office/mac/drawingml/2011/main" val="1"/>
+                <ma14:wrappingTextBoxFlag xmlns:ma14="http://schemas.microsoft.com/office/mac/drawingml/2011/main" xmlns:a14="http://schemas.microsoft.com/office/drawing/2010/main" xmlns:m="http://schemas.openxmlformats.org/officeDocument/2006/math" xmlns="" val="1"/>
               </a:ext>
             </a:extLst>
           </p:spPr>
@@ -6699,7 +6690,7 @@
             <a:effectLst/>
             <a:extLst>
               <a:ext uri="{C572A759-6A51-4108-AA02-DFA0A04FC94B}">
-                <ma14:wrappingTextBoxFlag xmlns="" xmlns:m="http://schemas.openxmlformats.org/officeDocument/2006/math" xmlns:a14="http://schemas.microsoft.com/office/drawing/2010/main" xmlns:ma14="http://schemas.microsoft.com/office/mac/drawingml/2011/main" val="1"/>
+                <ma14:wrappingTextBoxFlag xmlns:ma14="http://schemas.microsoft.com/office/mac/drawingml/2011/main" xmlns:a14="http://schemas.microsoft.com/office/drawing/2010/main" xmlns:m="http://schemas.openxmlformats.org/officeDocument/2006/math" xmlns="" val="1"/>
               </a:ext>
             </a:extLst>
           </p:spPr>
@@ -6767,7 +6758,7 @@
           </a:ln>
           <a:extLst>
             <a:ext uri="{C572A759-6A51-4108-AA02-DFA0A04FC94B}">
-              <ma14:wrappingTextBoxFlag xmlns="" xmlns:m="http://schemas.openxmlformats.org/officeDocument/2006/math" xmlns:a14="http://schemas.microsoft.com/office/drawing/2010/main" xmlns:ma14="http://schemas.microsoft.com/office/mac/drawingml/2011/main" val="1"/>
+              <ma14:wrappingTextBoxFlag xmlns:ma14="http://schemas.microsoft.com/office/mac/drawingml/2011/main" xmlns:a14="http://schemas.microsoft.com/office/drawing/2010/main" xmlns:m="http://schemas.openxmlformats.org/officeDocument/2006/math" xmlns="" val="1"/>
             </a:ext>
           </a:extLst>
         </p:spPr>
@@ -6860,7 +6851,7 @@
             <a:effectLst/>
             <a:extLst>
               <a:ext uri="{C572A759-6A51-4108-AA02-DFA0A04FC94B}">
-                <ma14:wrappingTextBoxFlag xmlns="" xmlns:m="http://schemas.openxmlformats.org/officeDocument/2006/math" xmlns:a14="http://schemas.microsoft.com/office/drawing/2010/main" xmlns:ma14="http://schemas.microsoft.com/office/mac/drawingml/2011/main" val="1"/>
+                <ma14:wrappingTextBoxFlag xmlns:ma14="http://schemas.microsoft.com/office/mac/drawingml/2011/main" xmlns:a14="http://schemas.microsoft.com/office/drawing/2010/main" xmlns:m="http://schemas.openxmlformats.org/officeDocument/2006/math" xmlns="" val="1"/>
               </a:ext>
             </a:extLst>
           </p:spPr>
@@ -6952,7 +6943,7 @@
             <a:effectLst/>
             <a:extLst>
               <a:ext uri="{C572A759-6A51-4108-AA02-DFA0A04FC94B}">
-                <ma14:wrappingTextBoxFlag xmlns="" xmlns:m="http://schemas.openxmlformats.org/officeDocument/2006/math" xmlns:a14="http://schemas.microsoft.com/office/drawing/2010/main" xmlns:ma14="http://schemas.microsoft.com/office/mac/drawingml/2011/main" val="1"/>
+                <ma14:wrappingTextBoxFlag xmlns:ma14="http://schemas.microsoft.com/office/mac/drawingml/2011/main" xmlns:a14="http://schemas.microsoft.com/office/drawing/2010/main" xmlns:m="http://schemas.openxmlformats.org/officeDocument/2006/math" xmlns="" val="1"/>
               </a:ext>
             </a:extLst>
           </p:spPr>
@@ -7044,7 +7035,7 @@
             <a:effectLst/>
             <a:extLst>
               <a:ext uri="{C572A759-6A51-4108-AA02-DFA0A04FC94B}">
-                <ma14:wrappingTextBoxFlag xmlns="" xmlns:m="http://schemas.openxmlformats.org/officeDocument/2006/math" xmlns:a14="http://schemas.microsoft.com/office/drawing/2010/main" xmlns:ma14="http://schemas.microsoft.com/office/mac/drawingml/2011/main" val="1"/>
+                <ma14:wrappingTextBoxFlag xmlns:ma14="http://schemas.microsoft.com/office/mac/drawingml/2011/main" xmlns:a14="http://schemas.microsoft.com/office/drawing/2010/main" xmlns:m="http://schemas.openxmlformats.org/officeDocument/2006/math" xmlns="" val="1"/>
               </a:ext>
             </a:extLst>
           </p:spPr>
@@ -7196,7 +7187,7 @@
             <a:effectLst/>
             <a:extLst>
               <a:ext uri="{C572A759-6A51-4108-AA02-DFA0A04FC94B}">
-                <ma14:wrappingTextBoxFlag xmlns="" xmlns:m="http://schemas.openxmlformats.org/officeDocument/2006/math" xmlns:a14="http://schemas.microsoft.com/office/drawing/2010/main" xmlns:ma14="http://schemas.microsoft.com/office/mac/drawingml/2011/main" val="1"/>
+                <ma14:wrappingTextBoxFlag xmlns:ma14="http://schemas.microsoft.com/office/mac/drawingml/2011/main" xmlns:a14="http://schemas.microsoft.com/office/drawing/2010/main" xmlns:m="http://schemas.openxmlformats.org/officeDocument/2006/math" xmlns="" val="1"/>
               </a:ext>
             </a:extLst>
           </p:spPr>
@@ -7318,7 +7309,7 @@
             <a:effectLst/>
             <a:extLst>
               <a:ext uri="{C572A759-6A51-4108-AA02-DFA0A04FC94B}">
-                <ma14:wrappingTextBoxFlag xmlns="" xmlns:m="http://schemas.openxmlformats.org/officeDocument/2006/math" xmlns:a14="http://schemas.microsoft.com/office/drawing/2010/main" xmlns:ma14="http://schemas.microsoft.com/office/mac/drawingml/2011/main" val="1"/>
+                <ma14:wrappingTextBoxFlag xmlns:ma14="http://schemas.microsoft.com/office/mac/drawingml/2011/main" xmlns:a14="http://schemas.microsoft.com/office/drawing/2010/main" xmlns:m="http://schemas.openxmlformats.org/officeDocument/2006/math" xmlns="" val="1"/>
               </a:ext>
             </a:extLst>
           </p:spPr>
@@ -7440,7 +7431,7 @@
             <a:effectLst/>
             <a:extLst>
               <a:ext uri="{C572A759-6A51-4108-AA02-DFA0A04FC94B}">
-                <ma14:wrappingTextBoxFlag xmlns="" xmlns:m="http://schemas.openxmlformats.org/officeDocument/2006/math" xmlns:a14="http://schemas.microsoft.com/office/drawing/2010/main" xmlns:ma14="http://schemas.microsoft.com/office/mac/drawingml/2011/main" val="1"/>
+                <ma14:wrappingTextBoxFlag xmlns:ma14="http://schemas.microsoft.com/office/mac/drawingml/2011/main" xmlns:a14="http://schemas.microsoft.com/office/drawing/2010/main" xmlns:m="http://schemas.openxmlformats.org/officeDocument/2006/math" xmlns="" val="1"/>
               </a:ext>
             </a:extLst>
           </p:spPr>
@@ -7562,7 +7553,7 @@
             <a:effectLst/>
             <a:extLst>
               <a:ext uri="{C572A759-6A51-4108-AA02-DFA0A04FC94B}">
-                <ma14:wrappingTextBoxFlag xmlns="" xmlns:m="http://schemas.openxmlformats.org/officeDocument/2006/math" xmlns:a14="http://schemas.microsoft.com/office/drawing/2010/main" xmlns:ma14="http://schemas.microsoft.com/office/mac/drawingml/2011/main" val="1"/>
+                <ma14:wrappingTextBoxFlag xmlns:ma14="http://schemas.microsoft.com/office/mac/drawingml/2011/main" xmlns:a14="http://schemas.microsoft.com/office/drawing/2010/main" xmlns:m="http://schemas.openxmlformats.org/officeDocument/2006/math" xmlns="" val="1"/>
               </a:ext>
             </a:extLst>
           </p:spPr>
@@ -7684,7 +7675,7 @@
             <a:effectLst/>
             <a:extLst>
               <a:ext uri="{C572A759-6A51-4108-AA02-DFA0A04FC94B}">
-                <ma14:wrappingTextBoxFlag xmlns="" xmlns:m="http://schemas.openxmlformats.org/officeDocument/2006/math" xmlns:a14="http://schemas.microsoft.com/office/drawing/2010/main" xmlns:ma14="http://schemas.microsoft.com/office/mac/drawingml/2011/main" val="1"/>
+                <ma14:wrappingTextBoxFlag xmlns:ma14="http://schemas.microsoft.com/office/mac/drawingml/2011/main" xmlns:a14="http://schemas.microsoft.com/office/drawing/2010/main" xmlns:m="http://schemas.openxmlformats.org/officeDocument/2006/math" xmlns="" val="1"/>
               </a:ext>
             </a:extLst>
           </p:spPr>
@@ -7778,7 +7769,7 @@
           </a:ln>
           <a:extLst>
             <a:ext uri="{C572A759-6A51-4108-AA02-DFA0A04FC94B}">
-              <ma14:wrappingTextBoxFlag xmlns="" xmlns:m="http://schemas.openxmlformats.org/officeDocument/2006/math" xmlns:a14="http://schemas.microsoft.com/office/drawing/2010/main" xmlns:ma14="http://schemas.microsoft.com/office/mac/drawingml/2011/main" val="1"/>
+              <ma14:wrappingTextBoxFlag xmlns:ma14="http://schemas.microsoft.com/office/mac/drawingml/2011/main" xmlns:a14="http://schemas.microsoft.com/office/drawing/2010/main" xmlns:m="http://schemas.openxmlformats.org/officeDocument/2006/math" xmlns="" val="1"/>
             </a:ext>
           </a:extLst>
         </p:spPr>
@@ -7856,7 +7847,7 @@
           </a:ln>
           <a:extLst>
             <a:ext uri="{C572A759-6A51-4108-AA02-DFA0A04FC94B}">
-              <ma14:wrappingTextBoxFlag xmlns="" xmlns:m="http://schemas.openxmlformats.org/officeDocument/2006/math" xmlns:a14="http://schemas.microsoft.com/office/drawing/2010/main" xmlns:ma14="http://schemas.microsoft.com/office/mac/drawingml/2011/main" val="1"/>
+              <ma14:wrappingTextBoxFlag xmlns:ma14="http://schemas.microsoft.com/office/mac/drawingml/2011/main" xmlns:a14="http://schemas.microsoft.com/office/drawing/2010/main" xmlns:m="http://schemas.openxmlformats.org/officeDocument/2006/math" xmlns="" val="1"/>
             </a:ext>
           </a:extLst>
         </p:spPr>
@@ -7914,7 +7905,7 @@
           </a:ln>
           <a:extLst>
             <a:ext uri="{C572A759-6A51-4108-AA02-DFA0A04FC94B}">
-              <ma14:wrappingTextBoxFlag xmlns="" xmlns:m="http://schemas.openxmlformats.org/officeDocument/2006/math" xmlns:a14="http://schemas.microsoft.com/office/drawing/2010/main" xmlns:ma14="http://schemas.microsoft.com/office/mac/drawingml/2011/main" val="1"/>
+              <ma14:wrappingTextBoxFlag xmlns:ma14="http://schemas.microsoft.com/office/mac/drawingml/2011/main" xmlns:a14="http://schemas.microsoft.com/office/drawing/2010/main" xmlns:m="http://schemas.openxmlformats.org/officeDocument/2006/math" xmlns="" val="1"/>
             </a:ext>
           </a:extLst>
         </p:spPr>
@@ -8007,7 +7998,7 @@
             <a:effectLst/>
             <a:extLst>
               <a:ext uri="{C572A759-6A51-4108-AA02-DFA0A04FC94B}">
-                <ma14:wrappingTextBoxFlag xmlns="" xmlns:m="http://schemas.openxmlformats.org/officeDocument/2006/math" xmlns:a14="http://schemas.microsoft.com/office/drawing/2010/main" xmlns:ma14="http://schemas.microsoft.com/office/mac/drawingml/2011/main" val="1"/>
+                <ma14:wrappingTextBoxFlag xmlns:ma14="http://schemas.microsoft.com/office/mac/drawingml/2011/main" xmlns:a14="http://schemas.microsoft.com/office/drawing/2010/main" xmlns:m="http://schemas.openxmlformats.org/officeDocument/2006/math" xmlns="" val="1"/>
               </a:ext>
             </a:extLst>
           </p:spPr>
@@ -8099,7 +8090,7 @@
             <a:effectLst/>
             <a:extLst>
               <a:ext uri="{C572A759-6A51-4108-AA02-DFA0A04FC94B}">
-                <ma14:wrappingTextBoxFlag xmlns="" xmlns:m="http://schemas.openxmlformats.org/officeDocument/2006/math" xmlns:a14="http://schemas.microsoft.com/office/drawing/2010/main" xmlns:ma14="http://schemas.microsoft.com/office/mac/drawingml/2011/main" val="1"/>
+                <ma14:wrappingTextBoxFlag xmlns:ma14="http://schemas.microsoft.com/office/mac/drawingml/2011/main" xmlns:a14="http://schemas.microsoft.com/office/drawing/2010/main" xmlns:m="http://schemas.openxmlformats.org/officeDocument/2006/math" xmlns="" val="1"/>
               </a:ext>
             </a:extLst>
           </p:spPr>
@@ -8281,7 +8272,7 @@
             <a:effectLst/>
             <a:extLst>
               <a:ext uri="{C572A759-6A51-4108-AA02-DFA0A04FC94B}">
-                <ma14:wrappingTextBoxFlag xmlns="" xmlns:m="http://schemas.openxmlformats.org/officeDocument/2006/math" xmlns:a14="http://schemas.microsoft.com/office/drawing/2010/main" xmlns:ma14="http://schemas.microsoft.com/office/mac/drawingml/2011/main" val="1"/>
+                <ma14:wrappingTextBoxFlag xmlns:ma14="http://schemas.microsoft.com/office/mac/drawingml/2011/main" xmlns:a14="http://schemas.microsoft.com/office/drawing/2010/main" xmlns:m="http://schemas.openxmlformats.org/officeDocument/2006/math" xmlns="" val="1"/>
               </a:ext>
             </a:extLst>
           </p:spPr>
@@ -8403,7 +8394,7 @@
             <a:effectLst/>
             <a:extLst>
               <a:ext uri="{C572A759-6A51-4108-AA02-DFA0A04FC94B}">
-                <ma14:wrappingTextBoxFlag xmlns="" xmlns:m="http://schemas.openxmlformats.org/officeDocument/2006/math" xmlns:a14="http://schemas.microsoft.com/office/drawing/2010/main" xmlns:ma14="http://schemas.microsoft.com/office/mac/drawingml/2011/main" val="1"/>
+                <ma14:wrappingTextBoxFlag xmlns:ma14="http://schemas.microsoft.com/office/mac/drawingml/2011/main" xmlns:a14="http://schemas.microsoft.com/office/drawing/2010/main" xmlns:m="http://schemas.openxmlformats.org/officeDocument/2006/math" xmlns="" val="1"/>
               </a:ext>
             </a:extLst>
           </p:spPr>
@@ -8495,7 +8486,7 @@
             <a:effectLst/>
             <a:extLst>
               <a:ext uri="{C572A759-6A51-4108-AA02-DFA0A04FC94B}">
-                <ma14:wrappingTextBoxFlag xmlns="" xmlns:m="http://schemas.openxmlformats.org/officeDocument/2006/math" xmlns:a14="http://schemas.microsoft.com/office/drawing/2010/main" xmlns:ma14="http://schemas.microsoft.com/office/mac/drawingml/2011/main" val="1"/>
+                <ma14:wrappingTextBoxFlag xmlns:ma14="http://schemas.microsoft.com/office/mac/drawingml/2011/main" xmlns:a14="http://schemas.microsoft.com/office/drawing/2010/main" xmlns:m="http://schemas.openxmlformats.org/officeDocument/2006/math" xmlns="" val="1"/>
               </a:ext>
             </a:extLst>
           </p:spPr>
@@ -8533,7 +8524,7 @@
           </a:ln>
           <a:extLst>
             <a:ext uri="{C572A759-6A51-4108-AA02-DFA0A04FC94B}">
-              <ma14:wrappingTextBoxFlag xmlns="" xmlns:m="http://schemas.openxmlformats.org/officeDocument/2006/math" xmlns:a14="http://schemas.microsoft.com/office/drawing/2010/main" xmlns:ma14="http://schemas.microsoft.com/office/mac/drawingml/2011/main" val="1"/>
+              <ma14:wrappingTextBoxFlag xmlns:ma14="http://schemas.microsoft.com/office/mac/drawingml/2011/main" xmlns:a14="http://schemas.microsoft.com/office/drawing/2010/main" xmlns:m="http://schemas.openxmlformats.org/officeDocument/2006/math" xmlns="" val="1"/>
             </a:ext>
           </a:extLst>
         </p:spPr>
@@ -8626,7 +8617,7 @@
             <a:effectLst/>
             <a:extLst>
               <a:ext uri="{C572A759-6A51-4108-AA02-DFA0A04FC94B}">
-                <ma14:wrappingTextBoxFlag xmlns="" xmlns:m="http://schemas.openxmlformats.org/officeDocument/2006/math" xmlns:a14="http://schemas.microsoft.com/office/drawing/2010/main" xmlns:ma14="http://schemas.microsoft.com/office/mac/drawingml/2011/main" val="1"/>
+                <ma14:wrappingTextBoxFlag xmlns:ma14="http://schemas.microsoft.com/office/mac/drawingml/2011/main" xmlns:a14="http://schemas.microsoft.com/office/drawing/2010/main" xmlns:m="http://schemas.openxmlformats.org/officeDocument/2006/math" xmlns="" val="1"/>
               </a:ext>
             </a:extLst>
           </p:spPr>
@@ -8718,7 +8709,7 @@
             <a:effectLst/>
             <a:extLst>
               <a:ext uri="{C572A759-6A51-4108-AA02-DFA0A04FC94B}">
-                <ma14:wrappingTextBoxFlag xmlns="" xmlns:m="http://schemas.openxmlformats.org/officeDocument/2006/math" xmlns:a14="http://schemas.microsoft.com/office/drawing/2010/main" xmlns:ma14="http://schemas.microsoft.com/office/mac/drawingml/2011/main" val="1"/>
+                <ma14:wrappingTextBoxFlag xmlns:ma14="http://schemas.microsoft.com/office/mac/drawingml/2011/main" xmlns:a14="http://schemas.microsoft.com/office/drawing/2010/main" xmlns:m="http://schemas.openxmlformats.org/officeDocument/2006/math" xmlns="" val="1"/>
               </a:ext>
             </a:extLst>
           </p:spPr>
@@ -8900,7 +8891,7 @@
             <a:effectLst/>
             <a:extLst>
               <a:ext uri="{C572A759-6A51-4108-AA02-DFA0A04FC94B}">
-                <ma14:wrappingTextBoxFlag xmlns="" xmlns:m="http://schemas.openxmlformats.org/officeDocument/2006/math" xmlns:a14="http://schemas.microsoft.com/office/drawing/2010/main" xmlns:ma14="http://schemas.microsoft.com/office/mac/drawingml/2011/main" val="1"/>
+                <ma14:wrappingTextBoxFlag xmlns:ma14="http://schemas.microsoft.com/office/mac/drawingml/2011/main" xmlns:a14="http://schemas.microsoft.com/office/drawing/2010/main" xmlns:m="http://schemas.openxmlformats.org/officeDocument/2006/math" xmlns="" val="1"/>
               </a:ext>
             </a:extLst>
           </p:spPr>
@@ -9022,7 +9013,7 @@
             <a:effectLst/>
             <a:extLst>
               <a:ext uri="{C572A759-6A51-4108-AA02-DFA0A04FC94B}">
-                <ma14:wrappingTextBoxFlag xmlns="" xmlns:m="http://schemas.openxmlformats.org/officeDocument/2006/math" xmlns:a14="http://schemas.microsoft.com/office/drawing/2010/main" xmlns:ma14="http://schemas.microsoft.com/office/mac/drawingml/2011/main" val="1"/>
+                <ma14:wrappingTextBoxFlag xmlns:ma14="http://schemas.microsoft.com/office/mac/drawingml/2011/main" xmlns:a14="http://schemas.microsoft.com/office/drawing/2010/main" xmlns:m="http://schemas.openxmlformats.org/officeDocument/2006/math" xmlns="" val="1"/>
               </a:ext>
             </a:extLst>
           </p:spPr>
@@ -9114,7 +9105,7 @@
             <a:effectLst/>
             <a:extLst>
               <a:ext uri="{C572A759-6A51-4108-AA02-DFA0A04FC94B}">
-                <ma14:wrappingTextBoxFlag xmlns="" xmlns:m="http://schemas.openxmlformats.org/officeDocument/2006/math" xmlns:a14="http://schemas.microsoft.com/office/drawing/2010/main" xmlns:ma14="http://schemas.microsoft.com/office/mac/drawingml/2011/main" val="1"/>
+                <ma14:wrappingTextBoxFlag xmlns:ma14="http://schemas.microsoft.com/office/mac/drawingml/2011/main" xmlns:a14="http://schemas.microsoft.com/office/drawing/2010/main" xmlns:m="http://schemas.openxmlformats.org/officeDocument/2006/math" xmlns="" val="1"/>
               </a:ext>
             </a:extLst>
           </p:spPr>
@@ -9152,7 +9143,7 @@
           </a:ln>
           <a:extLst>
             <a:ext uri="{C572A759-6A51-4108-AA02-DFA0A04FC94B}">
-              <ma14:wrappingTextBoxFlag xmlns="" xmlns:m="http://schemas.openxmlformats.org/officeDocument/2006/math" xmlns:a14="http://schemas.microsoft.com/office/drawing/2010/main" xmlns:ma14="http://schemas.microsoft.com/office/mac/drawingml/2011/main" val="1"/>
+              <ma14:wrappingTextBoxFlag xmlns:ma14="http://schemas.microsoft.com/office/mac/drawingml/2011/main" xmlns:a14="http://schemas.microsoft.com/office/drawing/2010/main" xmlns:m="http://schemas.openxmlformats.org/officeDocument/2006/math" xmlns="" val="1"/>
             </a:ext>
           </a:extLst>
         </p:spPr>
@@ -9245,7 +9236,7 @@
             <a:effectLst/>
             <a:extLst>
               <a:ext uri="{C572A759-6A51-4108-AA02-DFA0A04FC94B}">
-                <ma14:wrappingTextBoxFlag xmlns="" xmlns:m="http://schemas.openxmlformats.org/officeDocument/2006/math" xmlns:a14="http://schemas.microsoft.com/office/drawing/2010/main" xmlns:ma14="http://schemas.microsoft.com/office/mac/drawingml/2011/main" val="1"/>
+                <ma14:wrappingTextBoxFlag xmlns:ma14="http://schemas.microsoft.com/office/mac/drawingml/2011/main" xmlns:a14="http://schemas.microsoft.com/office/drawing/2010/main" xmlns:m="http://schemas.openxmlformats.org/officeDocument/2006/math" xmlns="" val="1"/>
               </a:ext>
             </a:extLst>
           </p:spPr>
@@ -9337,7 +9328,7 @@
             <a:effectLst/>
             <a:extLst>
               <a:ext uri="{C572A759-6A51-4108-AA02-DFA0A04FC94B}">
-                <ma14:wrappingTextBoxFlag xmlns="" xmlns:m="http://schemas.openxmlformats.org/officeDocument/2006/math" xmlns:a14="http://schemas.microsoft.com/office/drawing/2010/main" xmlns:ma14="http://schemas.microsoft.com/office/mac/drawingml/2011/main" val="1"/>
+                <ma14:wrappingTextBoxFlag xmlns:ma14="http://schemas.microsoft.com/office/mac/drawingml/2011/main" xmlns:a14="http://schemas.microsoft.com/office/drawing/2010/main" xmlns:m="http://schemas.openxmlformats.org/officeDocument/2006/math" xmlns="" val="1"/>
               </a:ext>
             </a:extLst>
           </p:spPr>
@@ -9519,7 +9510,7 @@
             <a:effectLst/>
             <a:extLst>
               <a:ext uri="{C572A759-6A51-4108-AA02-DFA0A04FC94B}">
-                <ma14:wrappingTextBoxFlag xmlns="" xmlns:m="http://schemas.openxmlformats.org/officeDocument/2006/math" xmlns:a14="http://schemas.microsoft.com/office/drawing/2010/main" xmlns:ma14="http://schemas.microsoft.com/office/mac/drawingml/2011/main" val="1"/>
+                <ma14:wrappingTextBoxFlag xmlns:ma14="http://schemas.microsoft.com/office/mac/drawingml/2011/main" xmlns:a14="http://schemas.microsoft.com/office/drawing/2010/main" xmlns:m="http://schemas.openxmlformats.org/officeDocument/2006/math" xmlns="" val="1"/>
               </a:ext>
             </a:extLst>
           </p:spPr>
@@ -9641,7 +9632,7 @@
             <a:effectLst/>
             <a:extLst>
               <a:ext uri="{C572A759-6A51-4108-AA02-DFA0A04FC94B}">
-                <ma14:wrappingTextBoxFlag xmlns="" xmlns:m="http://schemas.openxmlformats.org/officeDocument/2006/math" xmlns:a14="http://schemas.microsoft.com/office/drawing/2010/main" xmlns:ma14="http://schemas.microsoft.com/office/mac/drawingml/2011/main" val="1"/>
+                <ma14:wrappingTextBoxFlag xmlns:ma14="http://schemas.microsoft.com/office/mac/drawingml/2011/main" xmlns:a14="http://schemas.microsoft.com/office/drawing/2010/main" xmlns:m="http://schemas.openxmlformats.org/officeDocument/2006/math" xmlns="" val="1"/>
               </a:ext>
             </a:extLst>
           </p:spPr>
@@ -9733,7 +9724,7 @@
             <a:effectLst/>
             <a:extLst>
               <a:ext uri="{C572A759-6A51-4108-AA02-DFA0A04FC94B}">
-                <ma14:wrappingTextBoxFlag xmlns="" xmlns:m="http://schemas.openxmlformats.org/officeDocument/2006/math" xmlns:a14="http://schemas.microsoft.com/office/drawing/2010/main" xmlns:ma14="http://schemas.microsoft.com/office/mac/drawingml/2011/main" val="1"/>
+                <ma14:wrappingTextBoxFlag xmlns:ma14="http://schemas.microsoft.com/office/mac/drawingml/2011/main" xmlns:a14="http://schemas.microsoft.com/office/drawing/2010/main" xmlns:m="http://schemas.openxmlformats.org/officeDocument/2006/math" xmlns="" val="1"/>
               </a:ext>
             </a:extLst>
           </p:spPr>
@@ -9825,7 +9816,7 @@
             <a:effectLst/>
             <a:extLst>
               <a:ext uri="{C572A759-6A51-4108-AA02-DFA0A04FC94B}">
-                <ma14:wrappingTextBoxFlag xmlns="" xmlns:m="http://schemas.openxmlformats.org/officeDocument/2006/math" xmlns:a14="http://schemas.microsoft.com/office/drawing/2010/main" xmlns:ma14="http://schemas.microsoft.com/office/mac/drawingml/2011/main" val="1"/>
+                <ma14:wrappingTextBoxFlag xmlns:ma14="http://schemas.microsoft.com/office/mac/drawingml/2011/main" xmlns:a14="http://schemas.microsoft.com/office/drawing/2010/main" xmlns:m="http://schemas.openxmlformats.org/officeDocument/2006/math" xmlns="" val="1"/>
               </a:ext>
             </a:extLst>
           </p:spPr>
@@ -9917,7 +9908,7 @@
             <a:effectLst/>
             <a:extLst>
               <a:ext uri="{C572A759-6A51-4108-AA02-DFA0A04FC94B}">
-                <ma14:wrappingTextBoxFlag xmlns="" xmlns:m="http://schemas.openxmlformats.org/officeDocument/2006/math" xmlns:a14="http://schemas.microsoft.com/office/drawing/2010/main" xmlns:ma14="http://schemas.microsoft.com/office/mac/drawingml/2011/main" val="1"/>
+                <ma14:wrappingTextBoxFlag xmlns:ma14="http://schemas.microsoft.com/office/mac/drawingml/2011/main" xmlns:a14="http://schemas.microsoft.com/office/drawing/2010/main" xmlns:m="http://schemas.openxmlformats.org/officeDocument/2006/math" xmlns="" val="1"/>
               </a:ext>
             </a:extLst>
           </p:spPr>
@@ -10099,7 +10090,7 @@
             <a:effectLst/>
             <a:extLst>
               <a:ext uri="{C572A759-6A51-4108-AA02-DFA0A04FC94B}">
-                <ma14:wrappingTextBoxFlag xmlns="" xmlns:m="http://schemas.openxmlformats.org/officeDocument/2006/math" xmlns:a14="http://schemas.microsoft.com/office/drawing/2010/main" xmlns:ma14="http://schemas.microsoft.com/office/mac/drawingml/2011/main" val="1"/>
+                <ma14:wrappingTextBoxFlag xmlns:ma14="http://schemas.microsoft.com/office/mac/drawingml/2011/main" xmlns:a14="http://schemas.microsoft.com/office/drawing/2010/main" xmlns:m="http://schemas.openxmlformats.org/officeDocument/2006/math" xmlns="" val="1"/>
               </a:ext>
             </a:extLst>
           </p:spPr>
@@ -10191,7 +10182,7 @@
             <a:effectLst/>
             <a:extLst>
               <a:ext uri="{C572A759-6A51-4108-AA02-DFA0A04FC94B}">
-                <ma14:wrappingTextBoxFlag xmlns="" xmlns:m="http://schemas.openxmlformats.org/officeDocument/2006/math" xmlns:a14="http://schemas.microsoft.com/office/drawing/2010/main" xmlns:ma14="http://schemas.microsoft.com/office/mac/drawingml/2011/main" val="1"/>
+                <ma14:wrappingTextBoxFlag xmlns:ma14="http://schemas.microsoft.com/office/mac/drawingml/2011/main" xmlns:a14="http://schemas.microsoft.com/office/drawing/2010/main" xmlns:m="http://schemas.openxmlformats.org/officeDocument/2006/math" xmlns="" val="1"/>
               </a:ext>
             </a:extLst>
           </p:spPr>
@@ -10229,7 +10220,7 @@
           </a:ln>
           <a:extLst>
             <a:ext uri="{C572A759-6A51-4108-AA02-DFA0A04FC94B}">
-              <ma14:wrappingTextBoxFlag xmlns="" xmlns:m="http://schemas.openxmlformats.org/officeDocument/2006/math" xmlns:a14="http://schemas.microsoft.com/office/drawing/2010/main" xmlns:ma14="http://schemas.microsoft.com/office/mac/drawingml/2011/main" val="1"/>
+              <ma14:wrappingTextBoxFlag xmlns:ma14="http://schemas.microsoft.com/office/mac/drawingml/2011/main" xmlns:a14="http://schemas.microsoft.com/office/drawing/2010/main" xmlns:m="http://schemas.openxmlformats.org/officeDocument/2006/math" xmlns="" val="1"/>
             </a:ext>
           </a:extLst>
         </p:spPr>
@@ -10352,7 +10343,7 @@
           <a:lstStyle/>
           <a:p>
             <a:r>
-              <a:rPr lang="ru-RU">
+              <a:rPr lang="ru-RU" dirty="0">
                 <a:solidFill>
                   <a:srgbClr val="FF0000"/>
                 </a:solidFill>
@@ -10360,13 +10351,18 @@
               <a:t>Красным - переменные и константы, которых не хватает </a:t>
             </a:r>
             <a:r>
-              <a:rPr lang="ru-RU" dirty="0">
+              <a:rPr lang="ru-RU" dirty="0" smtClean="0">
                 <a:solidFill>
                   <a:srgbClr val="FF0000"/>
                 </a:solidFill>
               </a:rPr>
-              <a:t>цепочке</a:t>
-            </a:r>
+              <a:t>цепочке до соответствия набору БНФ</a:t>
+            </a:r>
+            <a:endParaRPr lang="ru-RU" dirty="0">
+              <a:solidFill>
+                <a:srgbClr val="FF0000"/>
+              </a:solidFill>
+            </a:endParaRPr>
           </a:p>
         </p:txBody>
       </p:sp>
@@ -10611,7 +10607,7 @@
             <a:effectLst/>
             <a:extLst>
               <a:ext uri="{C572A759-6A51-4108-AA02-DFA0A04FC94B}">
-                <ma14:wrappingTextBoxFlag xmlns="" xmlns:m="http://schemas.openxmlformats.org/officeDocument/2006/math" xmlns:a14="http://schemas.microsoft.com/office/drawing/2010/main" xmlns:ma14="http://schemas.microsoft.com/office/mac/drawingml/2011/main" val="1"/>
+                <ma14:wrappingTextBoxFlag xmlns:ma14="http://schemas.microsoft.com/office/mac/drawingml/2011/main" xmlns:a14="http://schemas.microsoft.com/office/drawing/2010/main" xmlns:m="http://schemas.openxmlformats.org/officeDocument/2006/math" xmlns="" val="1"/>
               </a:ext>
             </a:extLst>
           </p:spPr>
@@ -10700,7 +10696,7 @@
               <a:effectLst/>
               <a:extLst>
                 <a:ext uri="{C572A759-6A51-4108-AA02-DFA0A04FC94B}">
-                  <ma14:wrappingTextBoxFlag xmlns="" xmlns:m="http://schemas.openxmlformats.org/officeDocument/2006/math" xmlns:a14="http://schemas.microsoft.com/office/drawing/2010/main" xmlns:ma14="http://schemas.microsoft.com/office/mac/drawingml/2011/main" val="1"/>
+                  <ma14:wrappingTextBoxFlag xmlns:ma14="http://schemas.microsoft.com/office/mac/drawingml/2011/main" xmlns:a14="http://schemas.microsoft.com/office/drawing/2010/main" xmlns:m="http://schemas.openxmlformats.org/officeDocument/2006/math" xmlns="" val="1"/>
                 </a:ext>
               </a:extLst>
             </p:spPr>
@@ -10792,7 +10788,7 @@
               <a:effectLst/>
               <a:extLst>
                 <a:ext uri="{C572A759-6A51-4108-AA02-DFA0A04FC94B}">
-                  <ma14:wrappingTextBoxFlag xmlns="" xmlns:m="http://schemas.openxmlformats.org/officeDocument/2006/math" xmlns:a14="http://schemas.microsoft.com/office/drawing/2010/main" xmlns:ma14="http://schemas.microsoft.com/office/mac/drawingml/2011/main" val="1"/>
+                  <ma14:wrappingTextBoxFlag xmlns:ma14="http://schemas.microsoft.com/office/mac/drawingml/2011/main" xmlns:a14="http://schemas.microsoft.com/office/drawing/2010/main" xmlns:m="http://schemas.openxmlformats.org/officeDocument/2006/math" xmlns="" val="1"/>
                 </a:ext>
               </a:extLst>
             </p:spPr>
@@ -10919,7 +10915,7 @@
               <a:effectLst/>
               <a:extLst>
                 <a:ext uri="{C572A759-6A51-4108-AA02-DFA0A04FC94B}">
-                  <ma14:wrappingTextBoxFlag xmlns="" xmlns:m="http://schemas.openxmlformats.org/officeDocument/2006/math" xmlns:a14="http://schemas.microsoft.com/office/drawing/2010/main" xmlns:ma14="http://schemas.microsoft.com/office/mac/drawingml/2011/main" val="1"/>
+                  <ma14:wrappingTextBoxFlag xmlns:ma14="http://schemas.microsoft.com/office/mac/drawingml/2011/main" xmlns:a14="http://schemas.microsoft.com/office/drawing/2010/main" xmlns:m="http://schemas.openxmlformats.org/officeDocument/2006/math" xmlns="" val="1"/>
                 </a:ext>
               </a:extLst>
             </p:spPr>
@@ -11046,7 +11042,7 @@
               <a:effectLst/>
               <a:extLst>
                 <a:ext uri="{C572A759-6A51-4108-AA02-DFA0A04FC94B}">
-                  <ma14:wrappingTextBoxFlag xmlns="" xmlns:m="http://schemas.openxmlformats.org/officeDocument/2006/math" xmlns:a14="http://schemas.microsoft.com/office/drawing/2010/main" xmlns:ma14="http://schemas.microsoft.com/office/mac/drawingml/2011/main" val="1"/>
+                  <ma14:wrappingTextBoxFlag xmlns:ma14="http://schemas.microsoft.com/office/mac/drawingml/2011/main" xmlns:a14="http://schemas.microsoft.com/office/drawing/2010/main" xmlns:m="http://schemas.openxmlformats.org/officeDocument/2006/math" xmlns="" val="1"/>
                 </a:ext>
               </a:extLst>
             </p:spPr>
@@ -11173,7 +11169,7 @@
               <a:effectLst/>
               <a:extLst>
                 <a:ext uri="{C572A759-6A51-4108-AA02-DFA0A04FC94B}">
-                  <ma14:wrappingTextBoxFlag xmlns="" xmlns:m="http://schemas.openxmlformats.org/officeDocument/2006/math" xmlns:a14="http://schemas.microsoft.com/office/drawing/2010/main" xmlns:ma14="http://schemas.microsoft.com/office/mac/drawingml/2011/main" val="1"/>
+                  <ma14:wrappingTextBoxFlag xmlns:ma14="http://schemas.microsoft.com/office/mac/drawingml/2011/main" xmlns:a14="http://schemas.microsoft.com/office/drawing/2010/main" xmlns:m="http://schemas.openxmlformats.org/officeDocument/2006/math" xmlns="" val="1"/>
                 </a:ext>
               </a:extLst>
             </p:spPr>
@@ -11265,7 +11261,7 @@
               <a:effectLst/>
               <a:extLst>
                 <a:ext uri="{C572A759-6A51-4108-AA02-DFA0A04FC94B}">
-                  <ma14:wrappingTextBoxFlag xmlns="" xmlns:m="http://schemas.openxmlformats.org/officeDocument/2006/math" xmlns:a14="http://schemas.microsoft.com/office/drawing/2010/main" xmlns:ma14="http://schemas.microsoft.com/office/mac/drawingml/2011/main" val="1"/>
+                  <ma14:wrappingTextBoxFlag xmlns:ma14="http://schemas.microsoft.com/office/mac/drawingml/2011/main" xmlns:a14="http://schemas.microsoft.com/office/drawing/2010/main" xmlns:m="http://schemas.openxmlformats.org/officeDocument/2006/math" xmlns="" val="1"/>
                 </a:ext>
               </a:extLst>
             </p:spPr>
@@ -11392,7 +11388,7 @@
               <a:effectLst/>
               <a:extLst>
                 <a:ext uri="{C572A759-6A51-4108-AA02-DFA0A04FC94B}">
-                  <ma14:wrappingTextBoxFlag xmlns="" xmlns:m="http://schemas.openxmlformats.org/officeDocument/2006/math" xmlns:a14="http://schemas.microsoft.com/office/drawing/2010/main" xmlns:ma14="http://schemas.microsoft.com/office/mac/drawingml/2011/main" val="1"/>
+                  <ma14:wrappingTextBoxFlag xmlns:ma14="http://schemas.microsoft.com/office/mac/drawingml/2011/main" xmlns:a14="http://schemas.microsoft.com/office/drawing/2010/main" xmlns:m="http://schemas.openxmlformats.org/officeDocument/2006/math" xmlns="" val="1"/>
                 </a:ext>
               </a:extLst>
             </p:spPr>
@@ -11468,7 +11464,7 @@
             <a:effectLst/>
             <a:extLst>
               <a:ext uri="{C572A759-6A51-4108-AA02-DFA0A04FC94B}">
-                <ma14:wrappingTextBoxFlag xmlns="" xmlns:m="http://schemas.openxmlformats.org/officeDocument/2006/math" xmlns:a14="http://schemas.microsoft.com/office/drawing/2010/main" xmlns:ma14="http://schemas.microsoft.com/office/mac/drawingml/2011/main" val="1"/>
+                <ma14:wrappingTextBoxFlag xmlns:ma14="http://schemas.microsoft.com/office/mac/drawingml/2011/main" xmlns:a14="http://schemas.microsoft.com/office/drawing/2010/main" xmlns:m="http://schemas.openxmlformats.org/officeDocument/2006/math" xmlns="" val="1"/>
               </a:ext>
             </a:extLst>
           </p:spPr>
@@ -11557,7 +11553,7 @@
               <a:effectLst/>
               <a:extLst>
                 <a:ext uri="{C572A759-6A51-4108-AA02-DFA0A04FC94B}">
-                  <ma14:wrappingTextBoxFlag xmlns="" xmlns:m="http://schemas.openxmlformats.org/officeDocument/2006/math" xmlns:a14="http://schemas.microsoft.com/office/drawing/2010/main" xmlns:ma14="http://schemas.microsoft.com/office/mac/drawingml/2011/main" val="1"/>
+                  <ma14:wrappingTextBoxFlag xmlns:ma14="http://schemas.microsoft.com/office/mac/drawingml/2011/main" xmlns:a14="http://schemas.microsoft.com/office/drawing/2010/main" xmlns:m="http://schemas.openxmlformats.org/officeDocument/2006/math" xmlns="" val="1"/>
                 </a:ext>
               </a:extLst>
             </p:spPr>
@@ -11655,7 +11651,7 @@
               <a:effectLst/>
               <a:extLst>
                 <a:ext uri="{C572A759-6A51-4108-AA02-DFA0A04FC94B}">
-                  <ma14:wrappingTextBoxFlag xmlns="" xmlns:m="http://schemas.openxmlformats.org/officeDocument/2006/math" xmlns:a14="http://schemas.microsoft.com/office/drawing/2010/main" xmlns:ma14="http://schemas.microsoft.com/office/mac/drawingml/2011/main" val="1"/>
+                  <ma14:wrappingTextBoxFlag xmlns:ma14="http://schemas.microsoft.com/office/mac/drawingml/2011/main" xmlns:a14="http://schemas.microsoft.com/office/drawing/2010/main" xmlns:m="http://schemas.openxmlformats.org/officeDocument/2006/math" xmlns="" val="1"/>
                 </a:ext>
               </a:extLst>
             </p:spPr>
@@ -11782,7 +11778,7 @@
               <a:effectLst/>
               <a:extLst>
                 <a:ext uri="{C572A759-6A51-4108-AA02-DFA0A04FC94B}">
-                  <ma14:wrappingTextBoxFlag xmlns="" xmlns:m="http://schemas.openxmlformats.org/officeDocument/2006/math" xmlns:a14="http://schemas.microsoft.com/office/drawing/2010/main" xmlns:ma14="http://schemas.microsoft.com/office/mac/drawingml/2011/main" val="1"/>
+                  <ma14:wrappingTextBoxFlag xmlns:ma14="http://schemas.microsoft.com/office/mac/drawingml/2011/main" xmlns:a14="http://schemas.microsoft.com/office/drawing/2010/main" xmlns:m="http://schemas.openxmlformats.org/officeDocument/2006/math" xmlns="" val="1"/>
                 </a:ext>
               </a:extLst>
             </p:spPr>
@@ -11909,7 +11905,7 @@
               <a:effectLst/>
               <a:extLst>
                 <a:ext uri="{C572A759-6A51-4108-AA02-DFA0A04FC94B}">
-                  <ma14:wrappingTextBoxFlag xmlns="" xmlns:m="http://schemas.openxmlformats.org/officeDocument/2006/math" xmlns:a14="http://schemas.microsoft.com/office/drawing/2010/main" xmlns:ma14="http://schemas.microsoft.com/office/mac/drawingml/2011/main" val="1"/>
+                  <ma14:wrappingTextBoxFlag xmlns:ma14="http://schemas.microsoft.com/office/mac/drawingml/2011/main" xmlns:a14="http://schemas.microsoft.com/office/drawing/2010/main" xmlns:m="http://schemas.openxmlformats.org/officeDocument/2006/math" xmlns="" val="1"/>
                 </a:ext>
               </a:extLst>
             </p:spPr>
@@ -12036,7 +12032,7 @@
               <a:effectLst/>
               <a:extLst>
                 <a:ext uri="{C572A759-6A51-4108-AA02-DFA0A04FC94B}">
-                  <ma14:wrappingTextBoxFlag xmlns="" xmlns:m="http://schemas.openxmlformats.org/officeDocument/2006/math" xmlns:a14="http://schemas.microsoft.com/office/drawing/2010/main" xmlns:ma14="http://schemas.microsoft.com/office/mac/drawingml/2011/main" val="1"/>
+                  <ma14:wrappingTextBoxFlag xmlns:ma14="http://schemas.microsoft.com/office/mac/drawingml/2011/main" xmlns:a14="http://schemas.microsoft.com/office/drawing/2010/main" xmlns:m="http://schemas.openxmlformats.org/officeDocument/2006/math" xmlns="" val="1"/>
                 </a:ext>
               </a:extLst>
             </p:spPr>
@@ -12128,7 +12124,7 @@
               <a:effectLst/>
               <a:extLst>
                 <a:ext uri="{C572A759-6A51-4108-AA02-DFA0A04FC94B}">
-                  <ma14:wrappingTextBoxFlag xmlns="" xmlns:m="http://schemas.openxmlformats.org/officeDocument/2006/math" xmlns:a14="http://schemas.microsoft.com/office/drawing/2010/main" xmlns:ma14="http://schemas.microsoft.com/office/mac/drawingml/2011/main" val="1"/>
+                  <ma14:wrappingTextBoxFlag xmlns:ma14="http://schemas.microsoft.com/office/mac/drawingml/2011/main" xmlns:a14="http://schemas.microsoft.com/office/drawing/2010/main" xmlns:m="http://schemas.openxmlformats.org/officeDocument/2006/math" xmlns="" val="1"/>
                 </a:ext>
               </a:extLst>
             </p:spPr>
@@ -12255,7 +12251,7 @@
               <a:effectLst/>
               <a:extLst>
                 <a:ext uri="{C572A759-6A51-4108-AA02-DFA0A04FC94B}">
-                  <ma14:wrappingTextBoxFlag xmlns="" xmlns:m="http://schemas.openxmlformats.org/officeDocument/2006/math" xmlns:a14="http://schemas.microsoft.com/office/drawing/2010/main" xmlns:ma14="http://schemas.microsoft.com/office/mac/drawingml/2011/main" val="1"/>
+                  <ma14:wrappingTextBoxFlag xmlns:ma14="http://schemas.microsoft.com/office/mac/drawingml/2011/main" xmlns:a14="http://schemas.microsoft.com/office/drawing/2010/main" xmlns:m="http://schemas.openxmlformats.org/officeDocument/2006/math" xmlns="" val="1"/>
                 </a:ext>
               </a:extLst>
             </p:spPr>
@@ -12366,7 +12362,7 @@
             <a:effectLst/>
             <a:extLst>
               <a:ext uri="{C572A759-6A51-4108-AA02-DFA0A04FC94B}">
-                <ma14:wrappingTextBoxFlag xmlns="" xmlns:m="http://schemas.openxmlformats.org/officeDocument/2006/math" xmlns:a14="http://schemas.microsoft.com/office/drawing/2010/main" xmlns:ma14="http://schemas.microsoft.com/office/mac/drawingml/2011/main" val="1"/>
+                <ma14:wrappingTextBoxFlag xmlns:ma14="http://schemas.microsoft.com/office/mac/drawingml/2011/main" xmlns:a14="http://schemas.microsoft.com/office/drawing/2010/main" xmlns:m="http://schemas.openxmlformats.org/officeDocument/2006/math" xmlns="" val="1"/>
               </a:ext>
             </a:extLst>
           </p:spPr>
@@ -12408,7 +12404,7 @@
             <a:effectLst/>
             <a:extLst>
               <a:ext uri="{C572A759-6A51-4108-AA02-DFA0A04FC94B}">
-                <ma14:wrappingTextBoxFlag xmlns="" xmlns:m="http://schemas.openxmlformats.org/officeDocument/2006/math" xmlns:a14="http://schemas.microsoft.com/office/drawing/2010/main" xmlns:ma14="http://schemas.microsoft.com/office/mac/drawingml/2011/main" val="1"/>
+                <ma14:wrappingTextBoxFlag xmlns:ma14="http://schemas.microsoft.com/office/mac/drawingml/2011/main" xmlns:a14="http://schemas.microsoft.com/office/drawing/2010/main" xmlns:m="http://schemas.openxmlformats.org/officeDocument/2006/math" xmlns="" val="1"/>
               </a:ext>
             </a:extLst>
           </p:spPr>
@@ -12446,7 +12442,7 @@
             <a:effectLst/>
             <a:extLst>
               <a:ext uri="{C572A759-6A51-4108-AA02-DFA0A04FC94B}">
-                <ma14:wrappingTextBoxFlag xmlns="" xmlns:m="http://schemas.openxmlformats.org/officeDocument/2006/math" xmlns:a14="http://schemas.microsoft.com/office/drawing/2010/main" xmlns:ma14="http://schemas.microsoft.com/office/mac/drawingml/2011/main" val="1"/>
+                <ma14:wrappingTextBoxFlag xmlns:ma14="http://schemas.microsoft.com/office/mac/drawingml/2011/main" xmlns:a14="http://schemas.microsoft.com/office/drawing/2010/main" xmlns:m="http://schemas.openxmlformats.org/officeDocument/2006/math" xmlns="" val="1"/>
               </a:ext>
             </a:extLst>
           </p:spPr>
@@ -12499,7 +12495,7 @@
             <a:effectLst/>
             <a:extLst>
               <a:ext uri="{C572A759-6A51-4108-AA02-DFA0A04FC94B}">
-                <ma14:wrappingTextBoxFlag xmlns="" xmlns:m="http://schemas.openxmlformats.org/officeDocument/2006/math" xmlns:a14="http://schemas.microsoft.com/office/drawing/2010/main" xmlns:ma14="http://schemas.microsoft.com/office/mac/drawingml/2011/main" val="1"/>
+                <ma14:wrappingTextBoxFlag xmlns:ma14="http://schemas.microsoft.com/office/mac/drawingml/2011/main" xmlns:a14="http://schemas.microsoft.com/office/drawing/2010/main" xmlns:m="http://schemas.openxmlformats.org/officeDocument/2006/math" xmlns="" val="1"/>
               </a:ext>
             </a:extLst>
           </p:spPr>
@@ -12588,7 +12584,7 @@
               <a:effectLst/>
               <a:extLst>
                 <a:ext uri="{C572A759-6A51-4108-AA02-DFA0A04FC94B}">
-                  <ma14:wrappingTextBoxFlag xmlns="" xmlns:m="http://schemas.openxmlformats.org/officeDocument/2006/math" xmlns:a14="http://schemas.microsoft.com/office/drawing/2010/main" xmlns:ma14="http://schemas.microsoft.com/office/mac/drawingml/2011/main" val="1"/>
+                  <ma14:wrappingTextBoxFlag xmlns:ma14="http://schemas.microsoft.com/office/mac/drawingml/2011/main" xmlns:a14="http://schemas.microsoft.com/office/drawing/2010/main" xmlns:m="http://schemas.openxmlformats.org/officeDocument/2006/math" xmlns="" val="1"/>
                 </a:ext>
               </a:extLst>
             </p:spPr>
@@ -12680,7 +12676,7 @@
               <a:effectLst/>
               <a:extLst>
                 <a:ext uri="{C572A759-6A51-4108-AA02-DFA0A04FC94B}">
-                  <ma14:wrappingTextBoxFlag xmlns="" xmlns:m="http://schemas.openxmlformats.org/officeDocument/2006/math" xmlns:a14="http://schemas.microsoft.com/office/drawing/2010/main" xmlns:ma14="http://schemas.microsoft.com/office/mac/drawingml/2011/main" val="1"/>
+                  <ma14:wrappingTextBoxFlag xmlns:ma14="http://schemas.microsoft.com/office/mac/drawingml/2011/main" xmlns:a14="http://schemas.microsoft.com/office/drawing/2010/main" xmlns:m="http://schemas.openxmlformats.org/officeDocument/2006/math" xmlns="" val="1"/>
                 </a:ext>
               </a:extLst>
             </p:spPr>
@@ -12807,7 +12803,7 @@
               <a:effectLst/>
               <a:extLst>
                 <a:ext uri="{C572A759-6A51-4108-AA02-DFA0A04FC94B}">
-                  <ma14:wrappingTextBoxFlag xmlns="" xmlns:m="http://schemas.openxmlformats.org/officeDocument/2006/math" xmlns:a14="http://schemas.microsoft.com/office/drawing/2010/main" xmlns:ma14="http://schemas.microsoft.com/office/mac/drawingml/2011/main" val="1"/>
+                  <ma14:wrappingTextBoxFlag xmlns:ma14="http://schemas.microsoft.com/office/mac/drawingml/2011/main" xmlns:a14="http://schemas.microsoft.com/office/drawing/2010/main" xmlns:m="http://schemas.openxmlformats.org/officeDocument/2006/math" xmlns="" val="1"/>
                 </a:ext>
               </a:extLst>
             </p:spPr>
@@ -12934,7 +12930,7 @@
               <a:effectLst/>
               <a:extLst>
                 <a:ext uri="{C572A759-6A51-4108-AA02-DFA0A04FC94B}">
-                  <ma14:wrappingTextBoxFlag xmlns="" xmlns:m="http://schemas.openxmlformats.org/officeDocument/2006/math" xmlns:a14="http://schemas.microsoft.com/office/drawing/2010/main" xmlns:ma14="http://schemas.microsoft.com/office/mac/drawingml/2011/main" val="1"/>
+                  <ma14:wrappingTextBoxFlag xmlns:ma14="http://schemas.microsoft.com/office/mac/drawingml/2011/main" xmlns:a14="http://schemas.microsoft.com/office/drawing/2010/main" xmlns:m="http://schemas.openxmlformats.org/officeDocument/2006/math" xmlns="" val="1"/>
                 </a:ext>
               </a:extLst>
             </p:spPr>
@@ -13061,7 +13057,7 @@
               <a:effectLst/>
               <a:extLst>
                 <a:ext uri="{C572A759-6A51-4108-AA02-DFA0A04FC94B}">
-                  <ma14:wrappingTextBoxFlag xmlns="" xmlns:m="http://schemas.openxmlformats.org/officeDocument/2006/math" xmlns:a14="http://schemas.microsoft.com/office/drawing/2010/main" xmlns:ma14="http://schemas.microsoft.com/office/mac/drawingml/2011/main" val="1"/>
+                  <ma14:wrappingTextBoxFlag xmlns:ma14="http://schemas.microsoft.com/office/mac/drawingml/2011/main" xmlns:a14="http://schemas.microsoft.com/office/drawing/2010/main" xmlns:m="http://schemas.openxmlformats.org/officeDocument/2006/math" xmlns="" val="1"/>
                 </a:ext>
               </a:extLst>
             </p:spPr>
@@ -13153,7 +13149,7 @@
               <a:effectLst/>
               <a:extLst>
                 <a:ext uri="{C572A759-6A51-4108-AA02-DFA0A04FC94B}">
-                  <ma14:wrappingTextBoxFlag xmlns="" xmlns:m="http://schemas.openxmlformats.org/officeDocument/2006/math" xmlns:a14="http://schemas.microsoft.com/office/drawing/2010/main" xmlns:ma14="http://schemas.microsoft.com/office/mac/drawingml/2011/main" val="1"/>
+                  <ma14:wrappingTextBoxFlag xmlns:ma14="http://schemas.microsoft.com/office/mac/drawingml/2011/main" xmlns:a14="http://schemas.microsoft.com/office/drawing/2010/main" xmlns:m="http://schemas.openxmlformats.org/officeDocument/2006/math" xmlns="" val="1"/>
                 </a:ext>
               </a:extLst>
             </p:spPr>
@@ -13280,7 +13276,7 @@
               <a:effectLst/>
               <a:extLst>
                 <a:ext uri="{C572A759-6A51-4108-AA02-DFA0A04FC94B}">
-                  <ma14:wrappingTextBoxFlag xmlns="" xmlns:m="http://schemas.openxmlformats.org/officeDocument/2006/math" xmlns:a14="http://schemas.microsoft.com/office/drawing/2010/main" xmlns:ma14="http://schemas.microsoft.com/office/mac/drawingml/2011/main" val="1"/>
+                  <ma14:wrappingTextBoxFlag xmlns:ma14="http://schemas.microsoft.com/office/mac/drawingml/2011/main" xmlns:a14="http://schemas.microsoft.com/office/drawing/2010/main" xmlns:m="http://schemas.openxmlformats.org/officeDocument/2006/math" xmlns="" val="1"/>
                 </a:ext>
               </a:extLst>
             </p:spPr>
@@ -13356,7 +13352,7 @@
             <a:effectLst/>
             <a:extLst>
               <a:ext uri="{C572A759-6A51-4108-AA02-DFA0A04FC94B}">
-                <ma14:wrappingTextBoxFlag xmlns="" xmlns:m="http://schemas.openxmlformats.org/officeDocument/2006/math" xmlns:a14="http://schemas.microsoft.com/office/drawing/2010/main" xmlns:ma14="http://schemas.microsoft.com/office/mac/drawingml/2011/main" val="1"/>
+                <ma14:wrappingTextBoxFlag xmlns:ma14="http://schemas.microsoft.com/office/mac/drawingml/2011/main" xmlns:a14="http://schemas.microsoft.com/office/drawing/2010/main" xmlns:m="http://schemas.openxmlformats.org/officeDocument/2006/math" xmlns="" val="1"/>
               </a:ext>
             </a:extLst>
           </p:spPr>
@@ -13445,7 +13441,7 @@
               <a:effectLst/>
               <a:extLst>
                 <a:ext uri="{C572A759-6A51-4108-AA02-DFA0A04FC94B}">
-                  <ma14:wrappingTextBoxFlag xmlns="" xmlns:m="http://schemas.openxmlformats.org/officeDocument/2006/math" xmlns:a14="http://schemas.microsoft.com/office/drawing/2010/main" xmlns:ma14="http://schemas.microsoft.com/office/mac/drawingml/2011/main" val="1"/>
+                  <ma14:wrappingTextBoxFlag xmlns:ma14="http://schemas.microsoft.com/office/mac/drawingml/2011/main" xmlns:a14="http://schemas.microsoft.com/office/drawing/2010/main" xmlns:m="http://schemas.openxmlformats.org/officeDocument/2006/math" xmlns="" val="1"/>
                 </a:ext>
               </a:extLst>
             </p:spPr>
@@ -13543,7 +13539,7 @@
               <a:effectLst/>
               <a:extLst>
                 <a:ext uri="{C572A759-6A51-4108-AA02-DFA0A04FC94B}">
-                  <ma14:wrappingTextBoxFlag xmlns="" xmlns:m="http://schemas.openxmlformats.org/officeDocument/2006/math" xmlns:a14="http://schemas.microsoft.com/office/drawing/2010/main" xmlns:ma14="http://schemas.microsoft.com/office/mac/drawingml/2011/main" val="1"/>
+                  <ma14:wrappingTextBoxFlag xmlns:ma14="http://schemas.microsoft.com/office/mac/drawingml/2011/main" xmlns:a14="http://schemas.microsoft.com/office/drawing/2010/main" xmlns:m="http://schemas.openxmlformats.org/officeDocument/2006/math" xmlns="" val="1"/>
                 </a:ext>
               </a:extLst>
             </p:spPr>
@@ -13670,7 +13666,7 @@
               <a:effectLst/>
               <a:extLst>
                 <a:ext uri="{C572A759-6A51-4108-AA02-DFA0A04FC94B}">
-                  <ma14:wrappingTextBoxFlag xmlns="" xmlns:m="http://schemas.openxmlformats.org/officeDocument/2006/math" xmlns:a14="http://schemas.microsoft.com/office/drawing/2010/main" xmlns:ma14="http://schemas.microsoft.com/office/mac/drawingml/2011/main" val="1"/>
+                  <ma14:wrappingTextBoxFlag xmlns:ma14="http://schemas.microsoft.com/office/mac/drawingml/2011/main" xmlns:a14="http://schemas.microsoft.com/office/drawing/2010/main" xmlns:m="http://schemas.openxmlformats.org/officeDocument/2006/math" xmlns="" val="1"/>
                 </a:ext>
               </a:extLst>
             </p:spPr>
@@ -13797,7 +13793,7 @@
               <a:effectLst/>
               <a:extLst>
                 <a:ext uri="{C572A759-6A51-4108-AA02-DFA0A04FC94B}">
-                  <ma14:wrappingTextBoxFlag xmlns="" xmlns:m="http://schemas.openxmlformats.org/officeDocument/2006/math" xmlns:a14="http://schemas.microsoft.com/office/drawing/2010/main" xmlns:ma14="http://schemas.microsoft.com/office/mac/drawingml/2011/main" val="1"/>
+                  <ma14:wrappingTextBoxFlag xmlns:ma14="http://schemas.microsoft.com/office/mac/drawingml/2011/main" xmlns:a14="http://schemas.microsoft.com/office/drawing/2010/main" xmlns:m="http://schemas.openxmlformats.org/officeDocument/2006/math" xmlns="" val="1"/>
                 </a:ext>
               </a:extLst>
             </p:spPr>
@@ -13924,7 +13920,7 @@
               <a:effectLst/>
               <a:extLst>
                 <a:ext uri="{C572A759-6A51-4108-AA02-DFA0A04FC94B}">
-                  <ma14:wrappingTextBoxFlag xmlns="" xmlns:m="http://schemas.openxmlformats.org/officeDocument/2006/math" xmlns:a14="http://schemas.microsoft.com/office/drawing/2010/main" xmlns:ma14="http://schemas.microsoft.com/office/mac/drawingml/2011/main" val="1"/>
+                  <ma14:wrappingTextBoxFlag xmlns:ma14="http://schemas.microsoft.com/office/mac/drawingml/2011/main" xmlns:a14="http://schemas.microsoft.com/office/drawing/2010/main" xmlns:m="http://schemas.openxmlformats.org/officeDocument/2006/math" xmlns="" val="1"/>
                 </a:ext>
               </a:extLst>
             </p:spPr>
@@ -14016,7 +14012,7 @@
               <a:effectLst/>
               <a:extLst>
                 <a:ext uri="{C572A759-6A51-4108-AA02-DFA0A04FC94B}">
-                  <ma14:wrappingTextBoxFlag xmlns="" xmlns:m="http://schemas.openxmlformats.org/officeDocument/2006/math" xmlns:a14="http://schemas.microsoft.com/office/drawing/2010/main" xmlns:ma14="http://schemas.microsoft.com/office/mac/drawingml/2011/main" val="1"/>
+                  <ma14:wrappingTextBoxFlag xmlns:ma14="http://schemas.microsoft.com/office/mac/drawingml/2011/main" xmlns:a14="http://schemas.microsoft.com/office/drawing/2010/main" xmlns:m="http://schemas.openxmlformats.org/officeDocument/2006/math" xmlns="" val="1"/>
                 </a:ext>
               </a:extLst>
             </p:spPr>
@@ -14143,7 +14139,7 @@
               <a:effectLst/>
               <a:extLst>
                 <a:ext uri="{C572A759-6A51-4108-AA02-DFA0A04FC94B}">
-                  <ma14:wrappingTextBoxFlag xmlns="" xmlns:m="http://schemas.openxmlformats.org/officeDocument/2006/math" xmlns:a14="http://schemas.microsoft.com/office/drawing/2010/main" xmlns:ma14="http://schemas.microsoft.com/office/mac/drawingml/2011/main" val="1"/>
+                  <ma14:wrappingTextBoxFlag xmlns:ma14="http://schemas.microsoft.com/office/mac/drawingml/2011/main" xmlns:a14="http://schemas.microsoft.com/office/drawing/2010/main" xmlns:m="http://schemas.openxmlformats.org/officeDocument/2006/math" xmlns="" val="1"/>
                 </a:ext>
               </a:extLst>
             </p:spPr>
@@ -14254,7 +14250,7 @@
             <a:effectLst/>
             <a:extLst>
               <a:ext uri="{C572A759-6A51-4108-AA02-DFA0A04FC94B}">
-                <ma14:wrappingTextBoxFlag xmlns="" xmlns:m="http://schemas.openxmlformats.org/officeDocument/2006/math" xmlns:a14="http://schemas.microsoft.com/office/drawing/2010/main" xmlns:ma14="http://schemas.microsoft.com/office/mac/drawingml/2011/main" val="1"/>
+                <ma14:wrappingTextBoxFlag xmlns:ma14="http://schemas.microsoft.com/office/mac/drawingml/2011/main" xmlns:a14="http://schemas.microsoft.com/office/drawing/2010/main" xmlns:m="http://schemas.openxmlformats.org/officeDocument/2006/math" xmlns="" val="1"/>
               </a:ext>
             </a:extLst>
           </p:spPr>
@@ -14296,7 +14292,7 @@
             <a:effectLst/>
             <a:extLst>
               <a:ext uri="{C572A759-6A51-4108-AA02-DFA0A04FC94B}">
-                <ma14:wrappingTextBoxFlag xmlns="" xmlns:m="http://schemas.openxmlformats.org/officeDocument/2006/math" xmlns:a14="http://schemas.microsoft.com/office/drawing/2010/main" xmlns:ma14="http://schemas.microsoft.com/office/mac/drawingml/2011/main" val="1"/>
+                <ma14:wrappingTextBoxFlag xmlns:ma14="http://schemas.microsoft.com/office/mac/drawingml/2011/main" xmlns:a14="http://schemas.microsoft.com/office/drawing/2010/main" xmlns:m="http://schemas.openxmlformats.org/officeDocument/2006/math" xmlns="" val="1"/>
               </a:ext>
             </a:extLst>
           </p:spPr>
@@ -14342,7 +14338,7 @@
             <a:effectLst/>
             <a:extLst>
               <a:ext uri="{C572A759-6A51-4108-AA02-DFA0A04FC94B}">
-                <ma14:wrappingTextBoxFlag xmlns="" xmlns:m="http://schemas.openxmlformats.org/officeDocument/2006/math" xmlns:a14="http://schemas.microsoft.com/office/drawing/2010/main" xmlns:ma14="http://schemas.microsoft.com/office/mac/drawingml/2011/main" val="1"/>
+                <ma14:wrappingTextBoxFlag xmlns:ma14="http://schemas.microsoft.com/office/mac/drawingml/2011/main" xmlns:a14="http://schemas.microsoft.com/office/drawing/2010/main" xmlns:m="http://schemas.openxmlformats.org/officeDocument/2006/math" xmlns="" val="1"/>
               </a:ext>
             </a:extLst>
           </p:spPr>
@@ -14380,7 +14376,7 @@
             <a:effectLst/>
             <a:extLst>
               <a:ext uri="{C572A759-6A51-4108-AA02-DFA0A04FC94B}">
-                <ma14:wrappingTextBoxFlag xmlns="" xmlns:m="http://schemas.openxmlformats.org/officeDocument/2006/math" xmlns:a14="http://schemas.microsoft.com/office/drawing/2010/main" xmlns:ma14="http://schemas.microsoft.com/office/mac/drawingml/2011/main" val="1"/>
+                <ma14:wrappingTextBoxFlag xmlns:ma14="http://schemas.microsoft.com/office/mac/drawingml/2011/main" xmlns:a14="http://schemas.microsoft.com/office/drawing/2010/main" xmlns:m="http://schemas.openxmlformats.org/officeDocument/2006/math" xmlns="" val="1"/>
               </a:ext>
             </a:extLst>
           </p:spPr>
@@ -14416,7 +14412,7 @@
           </a:ln>
           <a:extLst>
             <a:ext uri="{C572A759-6A51-4108-AA02-DFA0A04FC94B}">
-              <ma14:wrappingTextBoxFlag xmlns="" xmlns:m="http://schemas.openxmlformats.org/officeDocument/2006/math" xmlns:a14="http://schemas.microsoft.com/office/drawing/2010/main" xmlns:ma14="http://schemas.microsoft.com/office/mac/drawingml/2011/main" val="1"/>
+              <ma14:wrappingTextBoxFlag xmlns:ma14="http://schemas.microsoft.com/office/mac/drawingml/2011/main" xmlns:a14="http://schemas.microsoft.com/office/drawing/2010/main" xmlns:m="http://schemas.openxmlformats.org/officeDocument/2006/math" xmlns="" val="1"/>
             </a:ext>
           </a:extLst>
         </p:spPr>
@@ -14478,7 +14474,7 @@
           </a:ln>
           <a:extLst>
             <a:ext uri="{C572A759-6A51-4108-AA02-DFA0A04FC94B}">
-              <ma14:wrappingTextBoxFlag xmlns="" xmlns:m="http://schemas.openxmlformats.org/officeDocument/2006/math" xmlns:a14="http://schemas.microsoft.com/office/drawing/2010/main" xmlns:ma14="http://schemas.microsoft.com/office/mac/drawingml/2011/main" val="1"/>
+              <ma14:wrappingTextBoxFlag xmlns:ma14="http://schemas.microsoft.com/office/mac/drawingml/2011/main" xmlns:a14="http://schemas.microsoft.com/office/drawing/2010/main" xmlns:m="http://schemas.openxmlformats.org/officeDocument/2006/math" xmlns="" val="1"/>
             </a:ext>
           </a:extLst>
         </p:spPr>
@@ -14543,7 +14539,7 @@
           </a:ln>
           <a:extLst>
             <a:ext uri="{C572A759-6A51-4108-AA02-DFA0A04FC94B}">
-              <ma14:wrappingTextBoxFlag xmlns="" xmlns:m="http://schemas.openxmlformats.org/officeDocument/2006/math" xmlns:a14="http://schemas.microsoft.com/office/drawing/2010/main" xmlns:ma14="http://schemas.microsoft.com/office/mac/drawingml/2011/main" val="1"/>
+              <ma14:wrappingTextBoxFlag xmlns:ma14="http://schemas.microsoft.com/office/mac/drawingml/2011/main" xmlns:a14="http://schemas.microsoft.com/office/drawing/2010/main" xmlns:m="http://schemas.openxmlformats.org/officeDocument/2006/math" xmlns="" val="1"/>
             </a:ext>
           </a:extLst>
         </p:spPr>
@@ -14649,7 +14645,7 @@
           </a:ln>
           <a:extLst>
             <a:ext uri="{C572A759-6A51-4108-AA02-DFA0A04FC94B}">
-              <ma14:wrappingTextBoxFlag xmlns="" xmlns:m="http://schemas.openxmlformats.org/officeDocument/2006/math" xmlns:a14="http://schemas.microsoft.com/office/drawing/2010/main" xmlns:ma14="http://schemas.microsoft.com/office/mac/drawingml/2011/main" val="1"/>
+              <ma14:wrappingTextBoxFlag xmlns:ma14="http://schemas.microsoft.com/office/mac/drawingml/2011/main" xmlns:a14="http://schemas.microsoft.com/office/drawing/2010/main" xmlns:m="http://schemas.openxmlformats.org/officeDocument/2006/math" xmlns="" val="1"/>
             </a:ext>
           </a:extLst>
         </p:spPr>
@@ -14779,7 +14775,7 @@
           </a:ln>
           <a:extLst>
             <a:ext uri="{C572A759-6A51-4108-AA02-DFA0A04FC94B}">
-              <ma14:wrappingTextBoxFlag xmlns="" xmlns:m="http://schemas.openxmlformats.org/officeDocument/2006/math" xmlns:a14="http://schemas.microsoft.com/office/drawing/2010/main" xmlns:ma14="http://schemas.microsoft.com/office/mac/drawingml/2011/main" val="1"/>
+              <ma14:wrappingTextBoxFlag xmlns:ma14="http://schemas.microsoft.com/office/mac/drawingml/2011/main" xmlns:a14="http://schemas.microsoft.com/office/drawing/2010/main" xmlns:m="http://schemas.openxmlformats.org/officeDocument/2006/math" xmlns="" val="1"/>
             </a:ext>
           </a:extLst>
         </p:spPr>
@@ -15140,7 +15136,7 @@
             <a:effectLst/>
             <a:extLst>
               <a:ext uri="{C572A759-6A51-4108-AA02-DFA0A04FC94B}">
-                <ma14:wrappingTextBoxFlag xmlns="" xmlns:m="http://schemas.openxmlformats.org/officeDocument/2006/math" xmlns:a14="http://schemas.microsoft.com/office/drawing/2010/main" xmlns:ma14="http://schemas.microsoft.com/office/mac/drawingml/2011/main" val="1"/>
+                <ma14:wrappingTextBoxFlag xmlns:ma14="http://schemas.microsoft.com/office/mac/drawingml/2011/main" xmlns:a14="http://schemas.microsoft.com/office/drawing/2010/main" xmlns:m="http://schemas.openxmlformats.org/officeDocument/2006/math" xmlns="" val="1"/>
               </a:ext>
             </a:extLst>
           </p:spPr>
@@ -15258,7 +15254,7 @@
           </a:ln>
           <a:extLst>
             <a:ext uri="{C572A759-6A51-4108-AA02-DFA0A04FC94B}">
-              <ma14:wrappingTextBoxFlag xmlns="" xmlns:m="http://schemas.openxmlformats.org/officeDocument/2006/math" xmlns:a14="http://schemas.microsoft.com/office/drawing/2010/main" xmlns:ma14="http://schemas.microsoft.com/office/mac/drawingml/2011/main" val="1"/>
+              <ma14:wrappingTextBoxFlag xmlns:ma14="http://schemas.microsoft.com/office/mac/drawingml/2011/main" xmlns:a14="http://schemas.microsoft.com/office/drawing/2010/main" xmlns:m="http://schemas.openxmlformats.org/officeDocument/2006/math" xmlns="" val="1"/>
             </a:ext>
           </a:extLst>
         </p:spPr>
@@ -15351,7 +15347,7 @@
             <a:effectLst/>
             <a:extLst>
               <a:ext uri="{C572A759-6A51-4108-AA02-DFA0A04FC94B}">
-                <ma14:wrappingTextBoxFlag xmlns="" xmlns:m="http://schemas.openxmlformats.org/officeDocument/2006/math" xmlns:a14="http://schemas.microsoft.com/office/drawing/2010/main" xmlns:ma14="http://schemas.microsoft.com/office/mac/drawingml/2011/main" val="1"/>
+                <ma14:wrappingTextBoxFlag xmlns:ma14="http://schemas.microsoft.com/office/mac/drawingml/2011/main" xmlns:a14="http://schemas.microsoft.com/office/drawing/2010/main" xmlns:m="http://schemas.openxmlformats.org/officeDocument/2006/math" xmlns="" val="1"/>
               </a:ext>
             </a:extLst>
           </p:spPr>
@@ -15443,7 +15439,7 @@
             <a:effectLst/>
             <a:extLst>
               <a:ext uri="{C572A759-6A51-4108-AA02-DFA0A04FC94B}">
-                <ma14:wrappingTextBoxFlag xmlns="" xmlns:m="http://schemas.openxmlformats.org/officeDocument/2006/math" xmlns:a14="http://schemas.microsoft.com/office/drawing/2010/main" xmlns:ma14="http://schemas.microsoft.com/office/mac/drawingml/2011/main" val="1"/>
+                <ma14:wrappingTextBoxFlag xmlns:ma14="http://schemas.microsoft.com/office/mac/drawingml/2011/main" xmlns:a14="http://schemas.microsoft.com/office/drawing/2010/main" xmlns:m="http://schemas.openxmlformats.org/officeDocument/2006/math" xmlns="" val="1"/>
               </a:ext>
             </a:extLst>
           </p:spPr>
@@ -15535,7 +15531,7 @@
             <a:effectLst/>
             <a:extLst>
               <a:ext uri="{C572A759-6A51-4108-AA02-DFA0A04FC94B}">
-                <ma14:wrappingTextBoxFlag xmlns="" xmlns:m="http://schemas.openxmlformats.org/officeDocument/2006/math" xmlns:a14="http://schemas.microsoft.com/office/drawing/2010/main" xmlns:ma14="http://schemas.microsoft.com/office/mac/drawingml/2011/main" val="1"/>
+                <ma14:wrappingTextBoxFlag xmlns:ma14="http://schemas.microsoft.com/office/mac/drawingml/2011/main" xmlns:a14="http://schemas.microsoft.com/office/drawing/2010/main" xmlns:m="http://schemas.openxmlformats.org/officeDocument/2006/math" xmlns="" val="1"/>
               </a:ext>
             </a:extLst>
           </p:spPr>
@@ -15627,7 +15623,7 @@
             <a:effectLst/>
             <a:extLst>
               <a:ext uri="{C572A759-6A51-4108-AA02-DFA0A04FC94B}">
-                <ma14:wrappingTextBoxFlag xmlns="" xmlns:m="http://schemas.openxmlformats.org/officeDocument/2006/math" xmlns:a14="http://schemas.microsoft.com/office/drawing/2010/main" xmlns:ma14="http://schemas.microsoft.com/office/mac/drawingml/2011/main" val="1"/>
+                <ma14:wrappingTextBoxFlag xmlns:ma14="http://schemas.microsoft.com/office/mac/drawingml/2011/main" xmlns:a14="http://schemas.microsoft.com/office/drawing/2010/main" xmlns:m="http://schemas.openxmlformats.org/officeDocument/2006/math" xmlns="" val="1"/>
               </a:ext>
             </a:extLst>
           </p:spPr>
@@ -15809,7 +15805,7 @@
             <a:effectLst/>
             <a:extLst>
               <a:ext uri="{C572A759-6A51-4108-AA02-DFA0A04FC94B}">
-                <ma14:wrappingTextBoxFlag xmlns="" xmlns:m="http://schemas.openxmlformats.org/officeDocument/2006/math" xmlns:a14="http://schemas.microsoft.com/office/drawing/2010/main" xmlns:ma14="http://schemas.microsoft.com/office/mac/drawingml/2011/main" val="1"/>
+                <ma14:wrappingTextBoxFlag xmlns:ma14="http://schemas.microsoft.com/office/mac/drawingml/2011/main" xmlns:a14="http://schemas.microsoft.com/office/drawing/2010/main" xmlns:m="http://schemas.openxmlformats.org/officeDocument/2006/math" xmlns="" val="1"/>
               </a:ext>
             </a:extLst>
           </p:spPr>
@@ -15906,7 +15902,7 @@
           </a:ln>
           <a:extLst>
             <a:ext uri="{C572A759-6A51-4108-AA02-DFA0A04FC94B}">
-              <ma14:wrappingTextBoxFlag xmlns="" xmlns:m="http://schemas.openxmlformats.org/officeDocument/2006/math" xmlns:a14="http://schemas.microsoft.com/office/drawing/2010/main" xmlns:ma14="http://schemas.microsoft.com/office/mac/drawingml/2011/main" val="1"/>
+              <ma14:wrappingTextBoxFlag xmlns:ma14="http://schemas.microsoft.com/office/mac/drawingml/2011/main" xmlns:a14="http://schemas.microsoft.com/office/drawing/2010/main" xmlns:m="http://schemas.openxmlformats.org/officeDocument/2006/math" xmlns="" val="1"/>
             </a:ext>
           </a:extLst>
         </p:spPr>
@@ -16028,7 +16024,7 @@
           </a:ln>
           <a:extLst>
             <a:ext uri="{C572A759-6A51-4108-AA02-DFA0A04FC94B}">
-              <ma14:wrappingTextBoxFlag xmlns="" xmlns:m="http://schemas.openxmlformats.org/officeDocument/2006/math" xmlns:a14="http://schemas.microsoft.com/office/drawing/2010/main" xmlns:ma14="http://schemas.microsoft.com/office/mac/drawingml/2011/main" val="1"/>
+              <ma14:wrappingTextBoxFlag xmlns:ma14="http://schemas.microsoft.com/office/mac/drawingml/2011/main" xmlns:a14="http://schemas.microsoft.com/office/drawing/2010/main" xmlns:m="http://schemas.openxmlformats.org/officeDocument/2006/math" xmlns="" val="1"/>
             </a:ext>
           </a:extLst>
         </p:spPr>
@@ -16121,7 +16117,7 @@
           </a:ln>
           <a:extLst>
             <a:ext uri="{C572A759-6A51-4108-AA02-DFA0A04FC94B}">
-              <ma14:wrappingTextBoxFlag xmlns="" xmlns:m="http://schemas.openxmlformats.org/officeDocument/2006/math" xmlns:a14="http://schemas.microsoft.com/office/drawing/2010/main" xmlns:ma14="http://schemas.microsoft.com/office/mac/drawingml/2011/main" val="1"/>
+              <ma14:wrappingTextBoxFlag xmlns:ma14="http://schemas.microsoft.com/office/mac/drawingml/2011/main" xmlns:a14="http://schemas.microsoft.com/office/drawing/2010/main" xmlns:m="http://schemas.openxmlformats.org/officeDocument/2006/math" xmlns="" val="1"/>
             </a:ext>
           </a:extLst>
         </p:spPr>
@@ -16156,7 +16152,7 @@
           </a:ln>
           <a:extLst>
             <a:ext uri="{C572A759-6A51-4108-AA02-DFA0A04FC94B}">
-              <ma14:wrappingTextBoxFlag xmlns="" xmlns:m="http://schemas.openxmlformats.org/officeDocument/2006/math" xmlns:a14="http://schemas.microsoft.com/office/drawing/2010/main" xmlns:ma14="http://schemas.microsoft.com/office/mac/drawingml/2011/main" val="1"/>
+              <ma14:wrappingTextBoxFlag xmlns:ma14="http://schemas.microsoft.com/office/mac/drawingml/2011/main" xmlns:a14="http://schemas.microsoft.com/office/drawing/2010/main" xmlns:m="http://schemas.openxmlformats.org/officeDocument/2006/math" xmlns="" val="1"/>
             </a:ext>
           </a:extLst>
         </p:spPr>
@@ -16398,7 +16394,7 @@
           </a:ln>
           <a:extLst>
             <a:ext uri="{C572A759-6A51-4108-AA02-DFA0A04FC94B}">
-              <ma14:wrappingTextBoxFlag xmlns="" xmlns:m="http://schemas.openxmlformats.org/officeDocument/2006/math" xmlns:a14="http://schemas.microsoft.com/office/drawing/2010/main" xmlns:ma14="http://schemas.microsoft.com/office/mac/drawingml/2011/main" val="1"/>
+              <ma14:wrappingTextBoxFlag xmlns:ma14="http://schemas.microsoft.com/office/mac/drawingml/2011/main" xmlns:a14="http://schemas.microsoft.com/office/drawing/2010/main" xmlns:m="http://schemas.openxmlformats.org/officeDocument/2006/math" xmlns="" val="1"/>
             </a:ext>
           </a:extLst>
         </p:spPr>
@@ -16436,6 +16432,10 @@
               <a:rPr sz="1600" dirty="0"/>
               <a:t> N = {A, B, S}.</a:t>
             </a:r>
+            <a:r>
+              <a:rPr lang="ru-RU" sz="1600" dirty="0"/>
+              <a:t/>
+            </a:r>
             <a:br>
               <a:rPr lang="ru-RU" sz="1600" dirty="0"/>
             </a:br>
@@ -16499,6 +16499,10 @@
               <a:rPr sz="1600" dirty="0" err="1"/>
               <a:t>правой</a:t>
             </a:r>
+            <a:r>
+              <a:rPr sz="1600" dirty="0"/>
+              <a:t/>
+            </a:r>
             <a:br>
               <a:rPr sz="1600" dirty="0"/>
             </a:br>
@@ -16509,6 +16513,10 @@
             <a:r>
               <a:rPr lang="en-US" sz="1600" dirty="0"/>
               <a:t>:</a:t>
+            </a:r>
+            <a:r>
+              <a:rPr lang="ru-RU" sz="1600" dirty="0"/>
+              <a:t/>
             </a:r>
             <a:br>
               <a:rPr lang="ru-RU" sz="1600" dirty="0"/>
@@ -16595,6 +16603,10 @@
               <a:rPr sz="1600" dirty="0" err="1"/>
               <a:t>правой</a:t>
             </a:r>
+            <a:r>
+              <a:rPr sz="1600" dirty="0"/>
+              <a:t/>
+            </a:r>
             <a:br>
               <a:rPr sz="1600" dirty="0"/>
             </a:br>
@@ -16662,6 +16674,10 @@
               <a:rPr lang="ru-RU" sz="1600" dirty="0"/>
               <a:t>:</a:t>
             </a:r>
+            <a:r>
+              <a:rPr sz="1600" dirty="0"/>
+              <a:t/>
+            </a:r>
             <a:br>
               <a:rPr sz="1600" dirty="0"/>
             </a:br>
@@ -16696,6 +16712,10 @@
             <a:r>
               <a:rPr lang="en-US" sz="1600" dirty="0"/>
               <a:t>. </a:t>
+            </a:r>
+            <a:r>
+              <a:rPr lang="ru-RU" sz="1600" dirty="0"/>
+              <a:t/>
             </a:r>
             <a:br>
               <a:rPr lang="ru-RU" sz="1600" dirty="0"/>
@@ -16761,6 +16781,10 @@
               <a:rPr lang="ru-RU" sz="1600" dirty="0"/>
               <a:t>:</a:t>
             </a:r>
+            <a:r>
+              <a:rPr sz="1600" dirty="0"/>
+              <a:t/>
+            </a:r>
             <a:br>
               <a:rPr sz="1600" dirty="0"/>
             </a:br>
@@ -16795,6 +16819,10 @@
             <a:r>
               <a:rPr lang="en-US" sz="1600" dirty="0"/>
               <a:t>. </a:t>
+            </a:r>
+            <a:r>
+              <a:rPr lang="ru-RU" sz="1600" dirty="0"/>
+              <a:t/>
             </a:r>
             <a:br>
               <a:rPr lang="ru-RU" sz="1600" dirty="0"/>
@@ -17227,7 +17255,7 @@
             <a:effectLst/>
             <a:extLst>
               <a:ext uri="{C572A759-6A51-4108-AA02-DFA0A04FC94B}">
-                <ma14:wrappingTextBoxFlag xmlns="" xmlns:m="http://schemas.openxmlformats.org/officeDocument/2006/math" xmlns:a14="http://schemas.microsoft.com/office/drawing/2010/main" xmlns:ma14="http://schemas.microsoft.com/office/mac/drawingml/2011/main" val="1"/>
+                <ma14:wrappingTextBoxFlag xmlns:ma14="http://schemas.microsoft.com/office/mac/drawingml/2011/main" xmlns:a14="http://schemas.microsoft.com/office/drawing/2010/main" xmlns:m="http://schemas.openxmlformats.org/officeDocument/2006/math" xmlns="" val="1"/>
               </a:ext>
             </a:extLst>
           </p:spPr>
@@ -17319,7 +17347,7 @@
             <a:effectLst/>
             <a:extLst>
               <a:ext uri="{C572A759-6A51-4108-AA02-DFA0A04FC94B}">
-                <ma14:wrappingTextBoxFlag xmlns="" xmlns:m="http://schemas.openxmlformats.org/officeDocument/2006/math" xmlns:a14="http://schemas.microsoft.com/office/drawing/2010/main" xmlns:ma14="http://schemas.microsoft.com/office/mac/drawingml/2011/main" val="1"/>
+                <ma14:wrappingTextBoxFlag xmlns:ma14="http://schemas.microsoft.com/office/mac/drawingml/2011/main" xmlns:a14="http://schemas.microsoft.com/office/drawing/2010/main" xmlns:m="http://schemas.openxmlformats.org/officeDocument/2006/math" xmlns="" val="1"/>
               </a:ext>
             </a:extLst>
           </p:spPr>
@@ -17411,7 +17439,7 @@
             <a:effectLst/>
             <a:extLst>
               <a:ext uri="{C572A759-6A51-4108-AA02-DFA0A04FC94B}">
-                <ma14:wrappingTextBoxFlag xmlns="" xmlns:m="http://schemas.openxmlformats.org/officeDocument/2006/math" xmlns:a14="http://schemas.microsoft.com/office/drawing/2010/main" xmlns:ma14="http://schemas.microsoft.com/office/mac/drawingml/2011/main" val="1"/>
+                <ma14:wrappingTextBoxFlag xmlns:ma14="http://schemas.microsoft.com/office/mac/drawingml/2011/main" xmlns:a14="http://schemas.microsoft.com/office/drawing/2010/main" xmlns:m="http://schemas.openxmlformats.org/officeDocument/2006/math" xmlns="" val="1"/>
               </a:ext>
             </a:extLst>
           </p:spPr>
@@ -17503,7 +17531,7 @@
             <a:effectLst/>
             <a:extLst>
               <a:ext uri="{C572A759-6A51-4108-AA02-DFA0A04FC94B}">
-                <ma14:wrappingTextBoxFlag xmlns="" xmlns:m="http://schemas.openxmlformats.org/officeDocument/2006/math" xmlns:a14="http://schemas.microsoft.com/office/drawing/2010/main" xmlns:ma14="http://schemas.microsoft.com/office/mac/drawingml/2011/main" val="1"/>
+                <ma14:wrappingTextBoxFlag xmlns:ma14="http://schemas.microsoft.com/office/mac/drawingml/2011/main" xmlns:a14="http://schemas.microsoft.com/office/drawing/2010/main" xmlns:m="http://schemas.openxmlformats.org/officeDocument/2006/math" xmlns="" val="1"/>
               </a:ext>
             </a:extLst>
           </p:spPr>
@@ -17685,7 +17713,7 @@
             <a:effectLst/>
             <a:extLst>
               <a:ext uri="{C572A759-6A51-4108-AA02-DFA0A04FC94B}">
-                <ma14:wrappingTextBoxFlag xmlns="" xmlns:m="http://schemas.openxmlformats.org/officeDocument/2006/math" xmlns:a14="http://schemas.microsoft.com/office/drawing/2010/main" xmlns:ma14="http://schemas.microsoft.com/office/mac/drawingml/2011/main" val="1"/>
+                <ma14:wrappingTextBoxFlag xmlns:ma14="http://schemas.microsoft.com/office/mac/drawingml/2011/main" xmlns:a14="http://schemas.microsoft.com/office/drawing/2010/main" xmlns:m="http://schemas.openxmlformats.org/officeDocument/2006/math" xmlns="" val="1"/>
               </a:ext>
             </a:extLst>
           </p:spPr>
@@ -17782,7 +17810,7 @@
           </a:ln>
           <a:extLst>
             <a:ext uri="{C572A759-6A51-4108-AA02-DFA0A04FC94B}">
-              <ma14:wrappingTextBoxFlag xmlns="" xmlns:m="http://schemas.openxmlformats.org/officeDocument/2006/math" xmlns:a14="http://schemas.microsoft.com/office/drawing/2010/main" xmlns:ma14="http://schemas.microsoft.com/office/mac/drawingml/2011/main" val="1"/>
+              <ma14:wrappingTextBoxFlag xmlns:ma14="http://schemas.microsoft.com/office/mac/drawingml/2011/main" xmlns:a14="http://schemas.microsoft.com/office/drawing/2010/main" xmlns:m="http://schemas.openxmlformats.org/officeDocument/2006/math" xmlns="" val="1"/>
             </a:ext>
           </a:extLst>
         </p:spPr>
@@ -17817,7 +17845,7 @@
           </a:ln>
           <a:extLst>
             <a:ext uri="{C572A759-6A51-4108-AA02-DFA0A04FC94B}">
-              <ma14:wrappingTextBoxFlag xmlns="" xmlns:m="http://schemas.openxmlformats.org/officeDocument/2006/math" xmlns:a14="http://schemas.microsoft.com/office/drawing/2010/main" xmlns:ma14="http://schemas.microsoft.com/office/mac/drawingml/2011/main" val="1"/>
+              <ma14:wrappingTextBoxFlag xmlns:ma14="http://schemas.microsoft.com/office/mac/drawingml/2011/main" xmlns:a14="http://schemas.microsoft.com/office/drawing/2010/main" xmlns:m="http://schemas.openxmlformats.org/officeDocument/2006/math" xmlns="" val="1"/>
             </a:ext>
           </a:extLst>
         </p:spPr>
@@ -17885,7 +17913,7 @@
           </a:ln>
           <a:extLst>
             <a:ext uri="{C572A759-6A51-4108-AA02-DFA0A04FC94B}">
-              <ma14:wrappingTextBoxFlag xmlns="" xmlns:m="http://schemas.openxmlformats.org/officeDocument/2006/math" xmlns:a14="http://schemas.microsoft.com/office/drawing/2010/main" xmlns:ma14="http://schemas.microsoft.com/office/mac/drawingml/2011/main" val="1"/>
+              <ma14:wrappingTextBoxFlag xmlns:ma14="http://schemas.microsoft.com/office/mac/drawingml/2011/main" xmlns:a14="http://schemas.microsoft.com/office/drawing/2010/main" xmlns:m="http://schemas.openxmlformats.org/officeDocument/2006/math" xmlns="" val="1"/>
             </a:ext>
           </a:extLst>
         </p:spPr>
@@ -17949,7 +17977,7 @@
           </a:ln>
           <a:extLst>
             <a:ext uri="{C572A759-6A51-4108-AA02-DFA0A04FC94B}">
-              <ma14:wrappingTextBoxFlag xmlns="" xmlns:m="http://schemas.openxmlformats.org/officeDocument/2006/math" xmlns:a14="http://schemas.microsoft.com/office/drawing/2010/main" xmlns:ma14="http://schemas.microsoft.com/office/mac/drawingml/2011/main" val="1"/>
+              <ma14:wrappingTextBoxFlag xmlns:ma14="http://schemas.microsoft.com/office/mac/drawingml/2011/main" xmlns:a14="http://schemas.microsoft.com/office/drawing/2010/main" xmlns:m="http://schemas.openxmlformats.org/officeDocument/2006/math" xmlns="" val="1"/>
             </a:ext>
           </a:extLst>
         </p:spPr>
@@ -18013,7 +18041,7 @@
           </a:ln>
           <a:extLst>
             <a:ext uri="{C572A759-6A51-4108-AA02-DFA0A04FC94B}">
-              <ma14:wrappingTextBoxFlag xmlns="" xmlns:m="http://schemas.openxmlformats.org/officeDocument/2006/math" xmlns:a14="http://schemas.microsoft.com/office/drawing/2010/main" xmlns:ma14="http://schemas.microsoft.com/office/mac/drawingml/2011/main" val="1"/>
+              <ma14:wrappingTextBoxFlag xmlns:ma14="http://schemas.microsoft.com/office/mac/drawingml/2011/main" xmlns:a14="http://schemas.microsoft.com/office/drawing/2010/main" xmlns:m="http://schemas.openxmlformats.org/officeDocument/2006/math" xmlns="" val="1"/>
             </a:ext>
           </a:extLst>
         </p:spPr>
@@ -18024,8 +18052,10 @@
           <a:lstStyle/>
           <a:p>
             <a:r>
+              <a:rPr dirty="0" err="1"/>
               <a:t>Достигнута</a:t>
             </a:r>
+            <a:endParaRPr dirty="0"/>
           </a:p>
         </p:txBody>
       </p:sp>
@@ -18048,7 +18078,7 @@
           </a:ln>
           <a:extLst>
             <a:ext uri="{C572A759-6A51-4108-AA02-DFA0A04FC94B}">
-              <ma14:wrappingTextBoxFlag xmlns="" xmlns:m="http://schemas.openxmlformats.org/officeDocument/2006/math" xmlns:a14="http://schemas.microsoft.com/office/drawing/2010/main" xmlns:ma14="http://schemas.microsoft.com/office/mac/drawingml/2011/main" val="1"/>
+              <ma14:wrappingTextBoxFlag xmlns:ma14="http://schemas.microsoft.com/office/mac/drawingml/2011/main" xmlns:a14="http://schemas.microsoft.com/office/drawing/2010/main" xmlns:m="http://schemas.openxmlformats.org/officeDocument/2006/math" xmlns="" val="1"/>
             </a:ext>
           </a:extLst>
         </p:spPr>
@@ -18094,7 +18124,7 @@
           </a:ln>
           <a:extLst>
             <a:ext uri="{C572A759-6A51-4108-AA02-DFA0A04FC94B}">
-              <ma14:wrappingTextBoxFlag xmlns="" xmlns:m="http://schemas.openxmlformats.org/officeDocument/2006/math" xmlns:a14="http://schemas.microsoft.com/office/drawing/2010/main" xmlns:ma14="http://schemas.microsoft.com/office/mac/drawingml/2011/main" val="1"/>
+              <ma14:wrappingTextBoxFlag xmlns:ma14="http://schemas.microsoft.com/office/mac/drawingml/2011/main" xmlns:a14="http://schemas.microsoft.com/office/drawing/2010/main" xmlns:m="http://schemas.openxmlformats.org/officeDocument/2006/math" xmlns="" val="1"/>
             </a:ext>
           </a:extLst>
         </p:spPr>
@@ -18188,7 +18218,7 @@
             <a:effectLst/>
             <a:extLst>
               <a:ext uri="{C572A759-6A51-4108-AA02-DFA0A04FC94B}">
-                <ma14:wrappingTextBoxFlag xmlns="" xmlns:m="http://schemas.openxmlformats.org/officeDocument/2006/math" xmlns:a14="http://schemas.microsoft.com/office/drawing/2010/main" xmlns:ma14="http://schemas.microsoft.com/office/mac/drawingml/2011/main" val="1"/>
+                <ma14:wrappingTextBoxFlag xmlns:ma14="http://schemas.microsoft.com/office/mac/drawingml/2011/main" xmlns:a14="http://schemas.microsoft.com/office/drawing/2010/main" xmlns:m="http://schemas.openxmlformats.org/officeDocument/2006/math" xmlns="" val="1"/>
               </a:ext>
             </a:extLst>
           </p:spPr>
@@ -18234,6 +18264,72 @@
           <a:lstStyle/>
           <a:p>
             <a:endParaRPr/>
+          </a:p>
+        </p:txBody>
+      </p:sp>
+      <p:sp>
+        <p:nvSpPr>
+          <p:cNvPr id="38" name="Линия"/>
+          <p:cNvSpPr/>
+          <p:nvPr/>
+        </p:nvSpPr>
+        <p:spPr>
+          <a:xfrm flipH="1" flipV="1">
+            <a:off x="8194333" y="5232639"/>
+            <a:ext cx="450246" cy="910403"/>
+          </a:xfrm>
+          <a:prstGeom prst="line">
+            <a:avLst/>
+          </a:prstGeom>
+          <a:ln w="12700">
+            <a:solidFill>
+              <a:srgbClr val="FF0006"/>
+            </a:solidFill>
+            <a:miter/>
+          </a:ln>
+        </p:spPr>
+        <p:txBody>
+          <a:bodyPr lIns="45718" tIns="45718" rIns="45718" bIns="45718"/>
+          <a:lstStyle/>
+          <a:p>
+            <a:endParaRPr/>
+          </a:p>
+        </p:txBody>
+      </p:sp>
+      <p:sp>
+        <p:nvSpPr>
+          <p:cNvPr id="39" name="Достигнута"/>
+          <p:cNvSpPr txBox="1"/>
+          <p:nvPr/>
+        </p:nvSpPr>
+        <p:spPr>
+          <a:xfrm>
+            <a:off x="8074943" y="6083811"/>
+            <a:ext cx="1178685" cy="333086"/>
+          </a:xfrm>
+          <a:prstGeom prst="rect">
+            <a:avLst/>
+          </a:prstGeom>
+          <a:ln w="12700">
+            <a:miter lim="400000"/>
+          </a:ln>
+          <a:extLst>
+            <a:ext uri="{C572A759-6A51-4108-AA02-DFA0A04FC94B}">
+              <ma14:wrappingTextBoxFlag xmlns:ma14="http://schemas.microsoft.com/office/mac/drawingml/2011/main" xmlns:a14="http://schemas.microsoft.com/office/drawing/2010/main" xmlns:m="http://schemas.openxmlformats.org/officeDocument/2006/math" xmlns="" val="1"/>
+            </a:ext>
+          </a:extLst>
+        </p:spPr>
+        <p:txBody>
+          <a:bodyPr lIns="45718" tIns="45718" rIns="45718" bIns="45718">
+            <a:spAutoFit/>
+          </a:bodyPr>
+          <a:lstStyle/>
+          <a:p>
+            <a:r>
+              <a:rPr dirty="0" err="1"/>
+              <a:t>Достигнута</a:t>
+            </a:r>
+            <a:endParaRPr dirty="0"/>
           </a:p>
         </p:txBody>
       </p:sp>
@@ -18366,7 +18462,7 @@
           </a:ln>
           <a:extLst>
             <a:ext uri="{C572A759-6A51-4108-AA02-DFA0A04FC94B}">
-              <ma14:wrappingTextBoxFlag xmlns="" xmlns:m="http://schemas.openxmlformats.org/officeDocument/2006/math" xmlns:a14="http://schemas.microsoft.com/office/drawing/2010/main" xmlns:ma14="http://schemas.microsoft.com/office/mac/drawingml/2011/main" val="1"/>
+              <ma14:wrappingTextBoxFlag xmlns:ma14="http://schemas.microsoft.com/office/mac/drawingml/2011/main" xmlns:a14="http://schemas.microsoft.com/office/drawing/2010/main" xmlns:m="http://schemas.openxmlformats.org/officeDocument/2006/math" xmlns="" val="1"/>
             </a:ext>
           </a:extLst>
         </p:spPr>
@@ -18451,6 +18547,10 @@
               <a:rPr lang="en-US" dirty="0"/>
               <a:t>:</a:t>
             </a:r>
+            <a:r>
+              <a:rPr dirty="0"/>
+              <a:t/>
+            </a:r>
             <a:br>
               <a:rPr dirty="0"/>
             </a:br>
@@ -18477,6 +18577,10 @@
             <a:r>
               <a:rPr dirty="0"/>
               <a:t> = {A, B, a, +}</a:t>
+            </a:r>
+            <a:r>
+              <a:rPr lang="ru-RU" dirty="0"/>
+              <a:t/>
             </a:r>
             <a:br>
               <a:rPr lang="ru-RU" dirty="0"/>
@@ -18631,6 +18735,10 @@
               <a:rPr lang="en-US" dirty="0"/>
               <a:t>:</a:t>
             </a:r>
+            <a:r>
+              <a:rPr dirty="0"/>
+              <a:t/>
+            </a:r>
             <a:br>
               <a:rPr dirty="0"/>
             </a:br>
@@ -18680,6 +18788,10 @@
             <a:r>
               <a:rPr dirty="0"/>
               <a:t>\ {A, B, +} = {a}</a:t>
+            </a:r>
+            <a:r>
+              <a:rPr lang="ru-RU" dirty="0"/>
+              <a:t/>
             </a:r>
             <a:br>
               <a:rPr lang="ru-RU" dirty="0"/>
@@ -18772,6 +18884,10 @@
             <a:r>
               <a:rPr dirty="0"/>
               <a:t>\ {a} = {}</a:t>
+            </a:r>
+            <a:r>
+              <a:rPr lang="ru-RU" dirty="0"/>
+              <a:t/>
             </a:r>
             <a:br>
               <a:rPr lang="ru-RU" dirty="0"/>
@@ -18950,7 +19066,7 @@
             <a:effectLst/>
             <a:extLst>
               <a:ext uri="{C572A759-6A51-4108-AA02-DFA0A04FC94B}">
-                <ma14:wrappingTextBoxFlag xmlns="" xmlns:m="http://schemas.openxmlformats.org/officeDocument/2006/math" xmlns:a14="http://schemas.microsoft.com/office/drawing/2010/main" xmlns:ma14="http://schemas.microsoft.com/office/mac/drawingml/2011/main" val="1"/>
+                <ma14:wrappingTextBoxFlag xmlns:ma14="http://schemas.microsoft.com/office/mac/drawingml/2011/main" xmlns:a14="http://schemas.microsoft.com/office/drawing/2010/main" xmlns:m="http://schemas.openxmlformats.org/officeDocument/2006/math" xmlns="" val="1"/>
               </a:ext>
             </a:extLst>
           </p:spPr>
@@ -19042,7 +19158,7 @@
             <a:effectLst/>
             <a:extLst>
               <a:ext uri="{C572A759-6A51-4108-AA02-DFA0A04FC94B}">
-                <ma14:wrappingTextBoxFlag xmlns="" xmlns:m="http://schemas.openxmlformats.org/officeDocument/2006/math" xmlns:a14="http://schemas.microsoft.com/office/drawing/2010/main" xmlns:ma14="http://schemas.microsoft.com/office/mac/drawingml/2011/main" val="1"/>
+                <ma14:wrappingTextBoxFlag xmlns:ma14="http://schemas.microsoft.com/office/mac/drawingml/2011/main" xmlns:a14="http://schemas.microsoft.com/office/drawing/2010/main" xmlns:m="http://schemas.openxmlformats.org/officeDocument/2006/math" xmlns="" val="1"/>
               </a:ext>
             </a:extLst>
           </p:spPr>
@@ -19134,7 +19250,7 @@
             <a:effectLst/>
             <a:extLst>
               <a:ext uri="{C572A759-6A51-4108-AA02-DFA0A04FC94B}">
-                <ma14:wrappingTextBoxFlag xmlns="" xmlns:m="http://schemas.openxmlformats.org/officeDocument/2006/math" xmlns:a14="http://schemas.microsoft.com/office/drawing/2010/main" xmlns:ma14="http://schemas.microsoft.com/office/mac/drawingml/2011/main" val="1"/>
+                <ma14:wrappingTextBoxFlag xmlns:ma14="http://schemas.microsoft.com/office/mac/drawingml/2011/main" xmlns:a14="http://schemas.microsoft.com/office/drawing/2010/main" xmlns:m="http://schemas.openxmlformats.org/officeDocument/2006/math" xmlns="" val="1"/>
               </a:ext>
             </a:extLst>
           </p:spPr>
@@ -19226,7 +19342,7 @@
             <a:effectLst/>
             <a:extLst>
               <a:ext uri="{C572A759-6A51-4108-AA02-DFA0A04FC94B}">
-                <ma14:wrappingTextBoxFlag xmlns="" xmlns:m="http://schemas.openxmlformats.org/officeDocument/2006/math" xmlns:a14="http://schemas.microsoft.com/office/drawing/2010/main" xmlns:ma14="http://schemas.microsoft.com/office/mac/drawingml/2011/main" val="1"/>
+                <ma14:wrappingTextBoxFlag xmlns:ma14="http://schemas.microsoft.com/office/mac/drawingml/2011/main" xmlns:a14="http://schemas.microsoft.com/office/drawing/2010/main" xmlns:m="http://schemas.openxmlformats.org/officeDocument/2006/math" xmlns="" val="1"/>
               </a:ext>
             </a:extLst>
           </p:spPr>
@@ -19264,7 +19380,7 @@
           </a:ln>
           <a:extLst>
             <a:ext uri="{C572A759-6A51-4108-AA02-DFA0A04FC94B}">
-              <ma14:wrappingTextBoxFlag xmlns="" xmlns:m="http://schemas.openxmlformats.org/officeDocument/2006/math" xmlns:a14="http://schemas.microsoft.com/office/drawing/2010/main" xmlns:ma14="http://schemas.microsoft.com/office/mac/drawingml/2011/main" val="1"/>
+              <ma14:wrappingTextBoxFlag xmlns:ma14="http://schemas.microsoft.com/office/mac/drawingml/2011/main" xmlns:a14="http://schemas.microsoft.com/office/drawing/2010/main" xmlns:m="http://schemas.openxmlformats.org/officeDocument/2006/math" xmlns="" val="1"/>
             </a:ext>
           </a:extLst>
         </p:spPr>
@@ -19299,7 +19415,7 @@
           </a:ln>
           <a:extLst>
             <a:ext uri="{C572A759-6A51-4108-AA02-DFA0A04FC94B}">
-              <ma14:wrappingTextBoxFlag xmlns="" xmlns:m="http://schemas.openxmlformats.org/officeDocument/2006/math" xmlns:a14="http://schemas.microsoft.com/office/drawing/2010/main" xmlns:ma14="http://schemas.microsoft.com/office/mac/drawingml/2011/main" val="1"/>
+              <ma14:wrappingTextBoxFlag xmlns:ma14="http://schemas.microsoft.com/office/mac/drawingml/2011/main" xmlns:a14="http://schemas.microsoft.com/office/drawing/2010/main" xmlns:m="http://schemas.openxmlformats.org/officeDocument/2006/math" xmlns="" val="1"/>
             </a:ext>
           </a:extLst>
         </p:spPr>
@@ -19392,7 +19508,7 @@
           </a:ln>
           <a:extLst>
             <a:ext uri="{C572A759-6A51-4108-AA02-DFA0A04FC94B}">
-              <ma14:wrappingTextBoxFlag xmlns="" xmlns:m="http://schemas.openxmlformats.org/officeDocument/2006/math" xmlns:a14="http://schemas.microsoft.com/office/drawing/2010/main" xmlns:ma14="http://schemas.microsoft.com/office/mac/drawingml/2011/main" val="1"/>
+              <ma14:wrappingTextBoxFlag xmlns:ma14="http://schemas.microsoft.com/office/mac/drawingml/2011/main" xmlns:a14="http://schemas.microsoft.com/office/drawing/2010/main" xmlns:m="http://schemas.openxmlformats.org/officeDocument/2006/math" xmlns="" val="1"/>
             </a:ext>
           </a:extLst>
         </p:spPr>
@@ -19481,7 +19597,7 @@
             <a:effectLst/>
             <a:extLst>
               <a:ext uri="{C572A759-6A51-4108-AA02-DFA0A04FC94B}">
-                <ma14:wrappingTextBoxFlag xmlns="" xmlns:m="http://schemas.openxmlformats.org/officeDocument/2006/math" xmlns:a14="http://schemas.microsoft.com/office/drawing/2010/main" xmlns:ma14="http://schemas.microsoft.com/office/mac/drawingml/2011/main" val="1"/>
+                <ma14:wrappingTextBoxFlag xmlns:ma14="http://schemas.microsoft.com/office/mac/drawingml/2011/main" xmlns:a14="http://schemas.microsoft.com/office/drawing/2010/main" xmlns:m="http://schemas.openxmlformats.org/officeDocument/2006/math" xmlns="" val="1"/>
               </a:ext>
             </a:extLst>
           </p:spPr>
@@ -19573,7 +19689,7 @@
             <a:effectLst/>
             <a:extLst>
               <a:ext uri="{C572A759-6A51-4108-AA02-DFA0A04FC94B}">
-                <ma14:wrappingTextBoxFlag xmlns="" xmlns:m="http://schemas.openxmlformats.org/officeDocument/2006/math" xmlns:a14="http://schemas.microsoft.com/office/drawing/2010/main" xmlns:ma14="http://schemas.microsoft.com/office/mac/drawingml/2011/main" val="1"/>
+                <ma14:wrappingTextBoxFlag xmlns:ma14="http://schemas.microsoft.com/office/mac/drawingml/2011/main" xmlns:a14="http://schemas.microsoft.com/office/drawing/2010/main" xmlns:m="http://schemas.openxmlformats.org/officeDocument/2006/math" xmlns="" val="1"/>
               </a:ext>
             </a:extLst>
           </p:spPr>
@@ -19665,7 +19781,7 @@
             <a:effectLst/>
             <a:extLst>
               <a:ext uri="{C572A759-6A51-4108-AA02-DFA0A04FC94B}">
-                <ma14:wrappingTextBoxFlag xmlns="" xmlns:m="http://schemas.openxmlformats.org/officeDocument/2006/math" xmlns:a14="http://schemas.microsoft.com/office/drawing/2010/main" xmlns:ma14="http://schemas.microsoft.com/office/mac/drawingml/2011/main" val="1"/>
+                <ma14:wrappingTextBoxFlag xmlns:ma14="http://schemas.microsoft.com/office/mac/drawingml/2011/main" xmlns:a14="http://schemas.microsoft.com/office/drawing/2010/main" xmlns:m="http://schemas.openxmlformats.org/officeDocument/2006/math" xmlns="" val="1"/>
               </a:ext>
             </a:extLst>
           </p:spPr>
@@ -19757,7 +19873,7 @@
             <a:effectLst/>
             <a:extLst>
               <a:ext uri="{C572A759-6A51-4108-AA02-DFA0A04FC94B}">
-                <ma14:wrappingTextBoxFlag xmlns="" xmlns:m="http://schemas.openxmlformats.org/officeDocument/2006/math" xmlns:a14="http://schemas.microsoft.com/office/drawing/2010/main" xmlns:ma14="http://schemas.microsoft.com/office/mac/drawingml/2011/main" val="1"/>
+                <ma14:wrappingTextBoxFlag xmlns:ma14="http://schemas.microsoft.com/office/mac/drawingml/2011/main" xmlns:a14="http://schemas.microsoft.com/office/drawing/2010/main" xmlns:m="http://schemas.openxmlformats.org/officeDocument/2006/math" xmlns="" val="1"/>
               </a:ext>
             </a:extLst>
           </p:spPr>
@@ -19909,7 +20025,7 @@
             <a:effectLst/>
             <a:extLst>
               <a:ext uri="{C572A759-6A51-4108-AA02-DFA0A04FC94B}">
-                <ma14:wrappingTextBoxFlag xmlns="" xmlns:m="http://schemas.openxmlformats.org/officeDocument/2006/math" xmlns:a14="http://schemas.microsoft.com/office/drawing/2010/main" xmlns:ma14="http://schemas.microsoft.com/office/mac/drawingml/2011/main" val="1"/>
+                <ma14:wrappingTextBoxFlag xmlns:ma14="http://schemas.microsoft.com/office/mac/drawingml/2011/main" xmlns:a14="http://schemas.microsoft.com/office/drawing/2010/main" xmlns:m="http://schemas.openxmlformats.org/officeDocument/2006/math" xmlns="" val="1"/>
               </a:ext>
             </a:extLst>
           </p:spPr>
@@ -20001,7 +20117,7 @@
             <a:effectLst/>
             <a:extLst>
               <a:ext uri="{C572A759-6A51-4108-AA02-DFA0A04FC94B}">
-                <ma14:wrappingTextBoxFlag xmlns="" xmlns:m="http://schemas.openxmlformats.org/officeDocument/2006/math" xmlns:a14="http://schemas.microsoft.com/office/drawing/2010/main" xmlns:ma14="http://schemas.microsoft.com/office/mac/drawingml/2011/main" val="1"/>
+                <ma14:wrappingTextBoxFlag xmlns:ma14="http://schemas.microsoft.com/office/mac/drawingml/2011/main" xmlns:a14="http://schemas.microsoft.com/office/drawing/2010/main" xmlns:m="http://schemas.openxmlformats.org/officeDocument/2006/math" xmlns="" val="1"/>
               </a:ext>
             </a:extLst>
           </p:spPr>
@@ -20093,7 +20209,7 @@
             <a:effectLst/>
             <a:extLst>
               <a:ext uri="{C572A759-6A51-4108-AA02-DFA0A04FC94B}">
-                <ma14:wrappingTextBoxFlag xmlns="" xmlns:m="http://schemas.openxmlformats.org/officeDocument/2006/math" xmlns:a14="http://schemas.microsoft.com/office/drawing/2010/main" xmlns:ma14="http://schemas.microsoft.com/office/mac/drawingml/2011/main" val="1"/>
+                <ma14:wrappingTextBoxFlag xmlns:ma14="http://schemas.microsoft.com/office/mac/drawingml/2011/main" xmlns:a14="http://schemas.microsoft.com/office/drawing/2010/main" xmlns:m="http://schemas.openxmlformats.org/officeDocument/2006/math" xmlns="" val="1"/>
               </a:ext>
             </a:extLst>
           </p:spPr>
@@ -20185,7 +20301,7 @@
             <a:effectLst/>
             <a:extLst>
               <a:ext uri="{C572A759-6A51-4108-AA02-DFA0A04FC94B}">
-                <ma14:wrappingTextBoxFlag xmlns="" xmlns:m="http://schemas.openxmlformats.org/officeDocument/2006/math" xmlns:a14="http://schemas.microsoft.com/office/drawing/2010/main" xmlns:ma14="http://schemas.microsoft.com/office/mac/drawingml/2011/main" val="1"/>
+                <ma14:wrappingTextBoxFlag xmlns:ma14="http://schemas.microsoft.com/office/mac/drawingml/2011/main" xmlns:a14="http://schemas.microsoft.com/office/drawing/2010/main" xmlns:m="http://schemas.openxmlformats.org/officeDocument/2006/math" xmlns="" val="1"/>
               </a:ext>
             </a:extLst>
           </p:spPr>
@@ -20397,7 +20513,7 @@
             <a:effectLst/>
             <a:extLst>
               <a:ext uri="{C572A759-6A51-4108-AA02-DFA0A04FC94B}">
-                <ma14:wrappingTextBoxFlag xmlns="" xmlns:m="http://schemas.openxmlformats.org/officeDocument/2006/math" xmlns:a14="http://schemas.microsoft.com/office/drawing/2010/main" xmlns:ma14="http://schemas.microsoft.com/office/mac/drawingml/2011/main" val="1"/>
+                <ma14:wrappingTextBoxFlag xmlns:ma14="http://schemas.microsoft.com/office/mac/drawingml/2011/main" xmlns:a14="http://schemas.microsoft.com/office/drawing/2010/main" xmlns:m="http://schemas.openxmlformats.org/officeDocument/2006/math" xmlns="" val="1"/>
               </a:ext>
             </a:extLst>
           </p:spPr>
@@ -20489,7 +20605,7 @@
             <a:effectLst/>
             <a:extLst>
               <a:ext uri="{C572A759-6A51-4108-AA02-DFA0A04FC94B}">
-                <ma14:wrappingTextBoxFlag xmlns="" xmlns:m="http://schemas.openxmlformats.org/officeDocument/2006/math" xmlns:a14="http://schemas.microsoft.com/office/drawing/2010/main" xmlns:ma14="http://schemas.microsoft.com/office/mac/drawingml/2011/main" val="1"/>
+                <ma14:wrappingTextBoxFlag xmlns:ma14="http://schemas.microsoft.com/office/mac/drawingml/2011/main" xmlns:a14="http://schemas.microsoft.com/office/drawing/2010/main" xmlns:m="http://schemas.openxmlformats.org/officeDocument/2006/math" xmlns="" val="1"/>
               </a:ext>
             </a:extLst>
           </p:spPr>
@@ -20581,7 +20697,7 @@
             <a:effectLst/>
             <a:extLst>
               <a:ext uri="{C572A759-6A51-4108-AA02-DFA0A04FC94B}">
-                <ma14:wrappingTextBoxFlag xmlns="" xmlns:m="http://schemas.openxmlformats.org/officeDocument/2006/math" xmlns:a14="http://schemas.microsoft.com/office/drawing/2010/main" xmlns:ma14="http://schemas.microsoft.com/office/mac/drawingml/2011/main" val="1"/>
+                <ma14:wrappingTextBoxFlag xmlns:ma14="http://schemas.microsoft.com/office/mac/drawingml/2011/main" xmlns:a14="http://schemas.microsoft.com/office/drawing/2010/main" xmlns:m="http://schemas.openxmlformats.org/officeDocument/2006/math" xmlns="" val="1"/>
               </a:ext>
             </a:extLst>
           </p:spPr>
@@ -20871,7 +20987,7 @@
           </a:ln>
           <a:extLst>
             <a:ext uri="{C572A759-6A51-4108-AA02-DFA0A04FC94B}">
-              <ma14:wrappingTextBoxFlag xmlns="" xmlns:m="http://schemas.openxmlformats.org/officeDocument/2006/math" xmlns:a14="http://schemas.microsoft.com/office/drawing/2010/main" xmlns:ma14="http://schemas.microsoft.com/office/mac/drawingml/2011/main" val="1"/>
+              <ma14:wrappingTextBoxFlag xmlns:ma14="http://schemas.microsoft.com/office/mac/drawingml/2011/main" xmlns:a14="http://schemas.microsoft.com/office/drawing/2010/main" xmlns:m="http://schemas.openxmlformats.org/officeDocument/2006/math" xmlns="" val="1"/>
             </a:ext>
           </a:extLst>
         </p:spPr>
@@ -20917,7 +21033,7 @@
           </a:ln>
           <a:extLst>
             <a:ext uri="{C572A759-6A51-4108-AA02-DFA0A04FC94B}">
-              <ma14:wrappingTextBoxFlag xmlns="" xmlns:m="http://schemas.openxmlformats.org/officeDocument/2006/math" xmlns:a14="http://schemas.microsoft.com/office/drawing/2010/main" xmlns:ma14="http://schemas.microsoft.com/office/mac/drawingml/2011/main" val="1"/>
+              <ma14:wrappingTextBoxFlag xmlns:ma14="http://schemas.microsoft.com/office/mac/drawingml/2011/main" xmlns:a14="http://schemas.microsoft.com/office/drawing/2010/main" xmlns:m="http://schemas.openxmlformats.org/officeDocument/2006/math" xmlns="" val="1"/>
             </a:ext>
           </a:extLst>
         </p:spPr>
@@ -21016,7 +21132,7 @@
             <a:effectLst/>
             <a:extLst>
               <a:ext uri="{C572A759-6A51-4108-AA02-DFA0A04FC94B}">
-                <ma14:wrappingTextBoxFlag xmlns="" xmlns:m="http://schemas.openxmlformats.org/officeDocument/2006/math" xmlns:a14="http://schemas.microsoft.com/office/drawing/2010/main" xmlns:ma14="http://schemas.microsoft.com/office/mac/drawingml/2011/main" val="1"/>
+                <ma14:wrappingTextBoxFlag xmlns:ma14="http://schemas.microsoft.com/office/mac/drawingml/2011/main" xmlns:a14="http://schemas.microsoft.com/office/drawing/2010/main" xmlns:m="http://schemas.openxmlformats.org/officeDocument/2006/math" xmlns="" val="1"/>
               </a:ext>
             </a:extLst>
           </p:spPr>
@@ -21114,7 +21230,7 @@
             <a:effectLst/>
             <a:extLst>
               <a:ext uri="{C572A759-6A51-4108-AA02-DFA0A04FC94B}">
-                <ma14:wrappingTextBoxFlag xmlns="" xmlns:m="http://schemas.openxmlformats.org/officeDocument/2006/math" xmlns:a14="http://schemas.microsoft.com/office/drawing/2010/main" xmlns:ma14="http://schemas.microsoft.com/office/mac/drawingml/2011/main" val="1"/>
+                <ma14:wrappingTextBoxFlag xmlns:ma14="http://schemas.microsoft.com/office/mac/drawingml/2011/main" xmlns:a14="http://schemas.microsoft.com/office/drawing/2010/main" xmlns:m="http://schemas.openxmlformats.org/officeDocument/2006/math" xmlns="" val="1"/>
               </a:ext>
             </a:extLst>
           </p:spPr>
@@ -21206,7 +21322,7 @@
             <a:effectLst/>
             <a:extLst>
               <a:ext uri="{C572A759-6A51-4108-AA02-DFA0A04FC94B}">
-                <ma14:wrappingTextBoxFlag xmlns="" xmlns:m="http://schemas.openxmlformats.org/officeDocument/2006/math" xmlns:a14="http://schemas.microsoft.com/office/drawing/2010/main" xmlns:ma14="http://schemas.microsoft.com/office/mac/drawingml/2011/main" val="1"/>
+                <ma14:wrappingTextBoxFlag xmlns:ma14="http://schemas.microsoft.com/office/mac/drawingml/2011/main" xmlns:a14="http://schemas.microsoft.com/office/drawing/2010/main" xmlns:m="http://schemas.openxmlformats.org/officeDocument/2006/math" xmlns="" val="1"/>
               </a:ext>
             </a:extLst>
           </p:spPr>
@@ -21298,7 +21414,7 @@
             <a:effectLst/>
             <a:extLst>
               <a:ext uri="{C572A759-6A51-4108-AA02-DFA0A04FC94B}">
-                <ma14:wrappingTextBoxFlag xmlns="" xmlns:m="http://schemas.openxmlformats.org/officeDocument/2006/math" xmlns:a14="http://schemas.microsoft.com/office/drawing/2010/main" xmlns:ma14="http://schemas.microsoft.com/office/mac/drawingml/2011/main" val="1"/>
+                <ma14:wrappingTextBoxFlag xmlns:ma14="http://schemas.microsoft.com/office/mac/drawingml/2011/main" xmlns:a14="http://schemas.microsoft.com/office/drawing/2010/main" xmlns:m="http://schemas.openxmlformats.org/officeDocument/2006/math" xmlns="" val="1"/>
               </a:ext>
             </a:extLst>
           </p:spPr>
@@ -21480,7 +21596,7 @@
             <a:effectLst/>
             <a:extLst>
               <a:ext uri="{C572A759-6A51-4108-AA02-DFA0A04FC94B}">
-                <ma14:wrappingTextBoxFlag xmlns="" xmlns:m="http://schemas.openxmlformats.org/officeDocument/2006/math" xmlns:a14="http://schemas.microsoft.com/office/drawing/2010/main" xmlns:ma14="http://schemas.microsoft.com/office/mac/drawingml/2011/main" val="1"/>
+                <ma14:wrappingTextBoxFlag xmlns:ma14="http://schemas.microsoft.com/office/mac/drawingml/2011/main" xmlns:a14="http://schemas.microsoft.com/office/drawing/2010/main" xmlns:m="http://schemas.openxmlformats.org/officeDocument/2006/math" xmlns="" val="1"/>
               </a:ext>
             </a:extLst>
           </p:spPr>
@@ -21608,7 +21724,7 @@
             <a:effectLst/>
             <a:extLst>
               <a:ext uri="{C572A759-6A51-4108-AA02-DFA0A04FC94B}">
-                <ma14:wrappingTextBoxFlag xmlns="" xmlns:m="http://schemas.openxmlformats.org/officeDocument/2006/math" xmlns:a14="http://schemas.microsoft.com/office/drawing/2010/main" xmlns:ma14="http://schemas.microsoft.com/office/mac/drawingml/2011/main" val="1"/>
+                <ma14:wrappingTextBoxFlag xmlns:ma14="http://schemas.microsoft.com/office/mac/drawingml/2011/main" xmlns:a14="http://schemas.microsoft.com/office/drawing/2010/main" xmlns:m="http://schemas.openxmlformats.org/officeDocument/2006/math" xmlns="" val="1"/>
               </a:ext>
             </a:extLst>
           </p:spPr>
@@ -21706,7 +21822,7 @@
             <a:effectLst/>
             <a:extLst>
               <a:ext uri="{C572A759-6A51-4108-AA02-DFA0A04FC94B}">
-                <ma14:wrappingTextBoxFlag xmlns="" xmlns:m="http://schemas.openxmlformats.org/officeDocument/2006/math" xmlns:a14="http://schemas.microsoft.com/office/drawing/2010/main" xmlns:ma14="http://schemas.microsoft.com/office/mac/drawingml/2011/main" val="1"/>
+                <ma14:wrappingTextBoxFlag xmlns:ma14="http://schemas.microsoft.com/office/mac/drawingml/2011/main" xmlns:a14="http://schemas.microsoft.com/office/drawing/2010/main" xmlns:m="http://schemas.openxmlformats.org/officeDocument/2006/math" xmlns="" val="1"/>
               </a:ext>
             </a:extLst>
           </p:spPr>
@@ -21798,7 +21914,7 @@
             <a:effectLst/>
             <a:extLst>
               <a:ext uri="{C572A759-6A51-4108-AA02-DFA0A04FC94B}">
-                <ma14:wrappingTextBoxFlag xmlns="" xmlns:m="http://schemas.openxmlformats.org/officeDocument/2006/math" xmlns:a14="http://schemas.microsoft.com/office/drawing/2010/main" xmlns:ma14="http://schemas.microsoft.com/office/mac/drawingml/2011/main" val="1"/>
+                <ma14:wrappingTextBoxFlag xmlns:ma14="http://schemas.microsoft.com/office/mac/drawingml/2011/main" xmlns:a14="http://schemas.microsoft.com/office/drawing/2010/main" xmlns:m="http://schemas.openxmlformats.org/officeDocument/2006/math" xmlns="" val="1"/>
               </a:ext>
             </a:extLst>
           </p:spPr>
@@ -21890,7 +22006,7 @@
             <a:effectLst/>
             <a:extLst>
               <a:ext uri="{C572A759-6A51-4108-AA02-DFA0A04FC94B}">
-                <ma14:wrappingTextBoxFlag xmlns="" xmlns:m="http://schemas.openxmlformats.org/officeDocument/2006/math" xmlns:a14="http://schemas.microsoft.com/office/drawing/2010/main" xmlns:ma14="http://schemas.microsoft.com/office/mac/drawingml/2011/main" val="1"/>
+                <ma14:wrappingTextBoxFlag xmlns:ma14="http://schemas.microsoft.com/office/mac/drawingml/2011/main" xmlns:a14="http://schemas.microsoft.com/office/drawing/2010/main" xmlns:m="http://schemas.openxmlformats.org/officeDocument/2006/math" xmlns="" val="1"/>
               </a:ext>
             </a:extLst>
           </p:spPr>
@@ -22072,7 +22188,7 @@
             <a:effectLst/>
             <a:extLst>
               <a:ext uri="{C572A759-6A51-4108-AA02-DFA0A04FC94B}">
-                <ma14:wrappingTextBoxFlag xmlns="" xmlns:m="http://schemas.openxmlformats.org/officeDocument/2006/math" xmlns:a14="http://schemas.microsoft.com/office/drawing/2010/main" xmlns:ma14="http://schemas.microsoft.com/office/mac/drawingml/2011/main" val="1"/>
+                <ma14:wrappingTextBoxFlag xmlns:ma14="http://schemas.microsoft.com/office/mac/drawingml/2011/main" xmlns:a14="http://schemas.microsoft.com/office/drawing/2010/main" xmlns:m="http://schemas.openxmlformats.org/officeDocument/2006/math" xmlns="" val="1"/>
               </a:ext>
             </a:extLst>
           </p:spPr>
@@ -22194,7 +22310,7 @@
             <a:effectLst/>
             <a:extLst>
               <a:ext uri="{C572A759-6A51-4108-AA02-DFA0A04FC94B}">
-                <ma14:wrappingTextBoxFlag xmlns="" xmlns:m="http://schemas.openxmlformats.org/officeDocument/2006/math" xmlns:a14="http://schemas.microsoft.com/office/drawing/2010/main" xmlns:ma14="http://schemas.microsoft.com/office/mac/drawingml/2011/main" val="1"/>
+                <ma14:wrappingTextBoxFlag xmlns:ma14="http://schemas.microsoft.com/office/mac/drawingml/2011/main" xmlns:a14="http://schemas.microsoft.com/office/drawing/2010/main" xmlns:m="http://schemas.openxmlformats.org/officeDocument/2006/math" xmlns="" val="1"/>
               </a:ext>
             </a:extLst>
           </p:spPr>
@@ -22316,7 +22432,7 @@
             <a:effectLst/>
             <a:extLst>
               <a:ext uri="{C572A759-6A51-4108-AA02-DFA0A04FC94B}">
-                <ma14:wrappingTextBoxFlag xmlns="" xmlns:m="http://schemas.openxmlformats.org/officeDocument/2006/math" xmlns:a14="http://schemas.microsoft.com/office/drawing/2010/main" xmlns:ma14="http://schemas.microsoft.com/office/mac/drawingml/2011/main" val="1"/>
+                <ma14:wrappingTextBoxFlag xmlns:ma14="http://schemas.microsoft.com/office/mac/drawingml/2011/main" xmlns:a14="http://schemas.microsoft.com/office/drawing/2010/main" xmlns:m="http://schemas.openxmlformats.org/officeDocument/2006/math" xmlns="" val="1"/>
               </a:ext>
             </a:extLst>
           </p:spPr>
